--- a/LABS/LAB03/LAB03_Logic.pptx
+++ b/LABS/LAB03/LAB03_Logic.pptx
@@ -5,18 +5,17 @@
     <p:sldMasterId id="2147483697" r:id="rId1"/>
   </p:sldMasterIdLst>
   <p:notesMasterIdLst>
-    <p:notesMasterId r:id="rId11"/>
+    <p:notesMasterId r:id="rId10"/>
   </p:notesMasterIdLst>
   <p:sldIdLst>
     <p:sldId id="256" r:id="rId2"/>
     <p:sldId id="280" r:id="rId3"/>
     <p:sldId id="274" r:id="rId4"/>
     <p:sldId id="275" r:id="rId5"/>
-    <p:sldId id="281" r:id="rId6"/>
-    <p:sldId id="277" r:id="rId7"/>
-    <p:sldId id="278" r:id="rId8"/>
-    <p:sldId id="276" r:id="rId9"/>
-    <p:sldId id="279" r:id="rId10"/>
+    <p:sldId id="277" r:id="rId6"/>
+    <p:sldId id="278" r:id="rId7"/>
+    <p:sldId id="276" r:id="rId8"/>
+    <p:sldId id="279" r:id="rId9"/>
   </p:sldIdLst>
   <p:sldSz cx="9144000" cy="6858000" type="screen4x3"/>
   <p:notesSz cx="6858000" cy="9144000"/>
@@ -2196,7 +2195,7 @@
           </a:lstStyle>
           <a:p>
             <a:r>
-              <a:rPr lang="en-US" smtClean="0"/>
+              <a:rPr lang="en-US"/>
               <a:t>Click to edit Master title style</a:t>
             </a:r>
             <a:endParaRPr lang="en-US" dirty="0"/>
@@ -2316,7 +2315,7 @@
           </a:lstStyle>
           <a:p>
             <a:r>
-              <a:rPr lang="en-US" smtClean="0"/>
+              <a:rPr lang="en-US"/>
               <a:t>Click to edit Master subtitle style</a:t>
             </a:r>
             <a:endParaRPr lang="en-US" dirty="0"/>
@@ -2545,7 +2544,7 @@
           </a:lstStyle>
           <a:p>
             <a:r>
-              <a:rPr lang="en-US" smtClean="0"/>
+              <a:rPr lang="en-US"/>
               <a:t>Click to edit Master title style</a:t>
             </a:r>
             <a:endParaRPr lang="en-US" dirty="0"/>
@@ -2668,7 +2667,7 @@
           <a:p>
             <a:pPr lvl="0"/>
             <a:r>
-              <a:rPr lang="en-US" smtClean="0"/>
+              <a:rPr lang="en-US"/>
               <a:t>Click to edit Master text styles</a:t>
             </a:r>
           </a:p>
@@ -2901,7 +2900,7 @@
           </a:lstStyle>
           <a:p>
             <a:r>
-              <a:rPr lang="en-US" smtClean="0"/>
+              <a:rPr lang="en-US"/>
               <a:t>Click to edit Master title style</a:t>
             </a:r>
             <a:endParaRPr lang="en-US" dirty="0"/>
@@ -2965,7 +2964,7 @@
           <a:p>
             <a:pPr lvl="0"/>
             <a:r>
-              <a:rPr lang="en-US" smtClean="0"/>
+              <a:rPr lang="en-US"/>
               <a:t>Click to edit Master text styles</a:t>
             </a:r>
           </a:p>
@@ -3087,7 +3086,7 @@
           <a:p>
             <a:pPr lvl="0"/>
             <a:r>
-              <a:rPr lang="en-US" smtClean="0"/>
+              <a:rPr lang="en-US"/>
               <a:t>Click to edit Master text styles</a:t>
             </a:r>
           </a:p>
@@ -3396,7 +3395,7 @@
           </a:lstStyle>
           <a:p>
             <a:r>
-              <a:rPr lang="en-US" smtClean="0"/>
+              <a:rPr lang="en-US"/>
               <a:t>Click to edit Master title style</a:t>
             </a:r>
             <a:endParaRPr lang="en-US" dirty="0"/>
@@ -3441,7 +3440,7 @@
               <a:buNone/>
             </a:pPr>
             <a:r>
-              <a:rPr lang="en-US" smtClean="0"/>
+              <a:rPr lang="en-US"/>
               <a:t>Click to edit Master text styles</a:t>
             </a:r>
           </a:p>
@@ -3674,7 +3673,7 @@
           </a:lstStyle>
           <a:p>
             <a:r>
-              <a:rPr lang="en-US" smtClean="0"/>
+              <a:rPr lang="en-US"/>
               <a:t>Click to edit Master title style</a:t>
             </a:r>
             <a:endParaRPr lang="en-US" dirty="0"/>
@@ -3735,7 +3734,7 @@
           <a:p>
             <a:pPr lvl="0"/>
             <a:r>
-              <a:rPr lang="en-US" smtClean="0"/>
+              <a:rPr lang="en-US"/>
               <a:t>Click to edit Master text styles</a:t>
             </a:r>
           </a:p>
@@ -3779,7 +3778,7 @@
               <a:buNone/>
             </a:pPr>
             <a:r>
-              <a:rPr lang="en-US" smtClean="0"/>
+              <a:rPr lang="en-US"/>
               <a:t>Click to edit Master text styles</a:t>
             </a:r>
           </a:p>
@@ -4088,7 +4087,7 @@
           </a:lstStyle>
           <a:p>
             <a:r>
-              <a:rPr lang="en-US" smtClean="0"/>
+              <a:rPr lang="en-US"/>
               <a:t>Click to edit Master title style</a:t>
             </a:r>
             <a:endParaRPr lang="en-US" dirty="0"/>
@@ -4149,7 +4148,7 @@
           <a:p>
             <a:pPr lvl="0"/>
             <a:r>
-              <a:rPr lang="en-US" smtClean="0"/>
+              <a:rPr lang="en-US"/>
               <a:t>Click to edit Master text styles</a:t>
             </a:r>
           </a:p>
@@ -4193,7 +4192,7 @@
               <a:buNone/>
             </a:pPr>
             <a:r>
-              <a:rPr lang="en-US" smtClean="0"/>
+              <a:rPr lang="en-US"/>
               <a:t>Click to edit Master text styles</a:t>
             </a:r>
           </a:p>
@@ -4415,7 +4414,7 @@
           <a:lstStyle/>
           <a:p>
             <a:r>
-              <a:rPr lang="en-US" smtClean="0"/>
+              <a:rPr lang="en-US"/>
               <a:t>Click to edit Master title style</a:t>
             </a:r>
             <a:endParaRPr lang="en-US" dirty="0"/>
@@ -4439,35 +4438,35 @@
           <a:p>
             <a:pPr lvl="0"/>
             <a:r>
-              <a:rPr lang="en-US" smtClean="0"/>
+              <a:rPr lang="en-US"/>
               <a:t>Click to edit Master text styles</a:t>
             </a:r>
           </a:p>
           <a:p>
             <a:pPr lvl="1"/>
             <a:r>
-              <a:rPr lang="en-US" smtClean="0"/>
+              <a:rPr lang="en-US"/>
               <a:t>Second level</a:t>
             </a:r>
           </a:p>
           <a:p>
             <a:pPr lvl="2"/>
             <a:r>
-              <a:rPr lang="en-US" smtClean="0"/>
+              <a:rPr lang="en-US"/>
               <a:t>Third level</a:t>
             </a:r>
           </a:p>
           <a:p>
             <a:pPr lvl="3"/>
             <a:r>
-              <a:rPr lang="en-US" smtClean="0"/>
+              <a:rPr lang="en-US"/>
               <a:t>Fourth level</a:t>
             </a:r>
           </a:p>
           <a:p>
             <a:pPr lvl="4"/>
             <a:r>
-              <a:rPr lang="en-US" smtClean="0"/>
+              <a:rPr lang="en-US"/>
               <a:t>Fifth level</a:t>
             </a:r>
             <a:endParaRPr lang="en-US" dirty="0"/>
@@ -4689,7 +4688,7 @@
           <a:lstStyle/>
           <a:p>
             <a:r>
-              <a:rPr lang="en-US" smtClean="0"/>
+              <a:rPr lang="en-US"/>
               <a:t>Click to edit Master title style</a:t>
             </a:r>
             <a:endParaRPr lang="en-US" dirty="0"/>
@@ -4718,35 +4717,35 @@
           <a:p>
             <a:pPr lvl="0"/>
             <a:r>
-              <a:rPr lang="en-US" smtClean="0"/>
+              <a:rPr lang="en-US"/>
               <a:t>Click to edit Master text styles</a:t>
             </a:r>
           </a:p>
           <a:p>
             <a:pPr lvl="1"/>
             <a:r>
-              <a:rPr lang="en-US" smtClean="0"/>
+              <a:rPr lang="en-US"/>
               <a:t>Second level</a:t>
             </a:r>
           </a:p>
           <a:p>
             <a:pPr lvl="2"/>
             <a:r>
-              <a:rPr lang="en-US" smtClean="0"/>
+              <a:rPr lang="en-US"/>
               <a:t>Third level</a:t>
             </a:r>
           </a:p>
           <a:p>
             <a:pPr lvl="3"/>
             <a:r>
-              <a:rPr lang="en-US" smtClean="0"/>
+              <a:rPr lang="en-US"/>
               <a:t>Fourth level</a:t>
             </a:r>
           </a:p>
           <a:p>
             <a:pPr lvl="4"/>
             <a:r>
-              <a:rPr lang="en-US" smtClean="0"/>
+              <a:rPr lang="en-US"/>
               <a:t>Fifth level</a:t>
             </a:r>
             <a:endParaRPr lang="en-US" dirty="0"/>
@@ -5528,7 +5527,7 @@
           <a:lstStyle/>
           <a:p>
             <a:r>
-              <a:rPr lang="en-US" smtClean="0"/>
+              <a:rPr lang="en-US"/>
               <a:t>Click to edit Master title style</a:t>
             </a:r>
             <a:endParaRPr lang="en-US" dirty="0"/>
@@ -5557,35 +5556,35 @@
           <a:p>
             <a:pPr lvl="0"/>
             <a:r>
-              <a:rPr lang="en-US" smtClean="0"/>
+              <a:rPr lang="en-US"/>
               <a:t>Click to edit Master text styles</a:t>
             </a:r>
           </a:p>
           <a:p>
             <a:pPr lvl="1"/>
             <a:r>
-              <a:rPr lang="en-US" smtClean="0"/>
+              <a:rPr lang="en-US"/>
               <a:t>Second level</a:t>
             </a:r>
           </a:p>
           <a:p>
             <a:pPr lvl="2"/>
             <a:r>
-              <a:rPr lang="en-US" smtClean="0"/>
+              <a:rPr lang="en-US"/>
               <a:t>Third level</a:t>
             </a:r>
           </a:p>
           <a:p>
             <a:pPr lvl="3"/>
             <a:r>
-              <a:rPr lang="en-US" smtClean="0"/>
+              <a:rPr lang="en-US"/>
               <a:t>Fourth level</a:t>
             </a:r>
           </a:p>
           <a:p>
             <a:pPr lvl="4"/>
             <a:r>
-              <a:rPr lang="en-US" smtClean="0"/>
+              <a:rPr lang="en-US"/>
               <a:t>Fifth level</a:t>
             </a:r>
             <a:endParaRPr lang="en-US" dirty="0"/>
@@ -5812,7 +5811,7 @@
           </a:lstStyle>
           <a:p>
             <a:r>
-              <a:rPr lang="en-US" smtClean="0"/>
+              <a:rPr lang="en-US"/>
               <a:t>Click to edit Master title style</a:t>
             </a:r>
             <a:endParaRPr lang="en-US" dirty="0"/>
@@ -5933,7 +5932,7 @@
           <a:p>
             <a:pPr lvl="0"/>
             <a:r>
-              <a:rPr lang="en-US" smtClean="0"/>
+              <a:rPr lang="en-US"/>
               <a:t>Click to edit Master text styles</a:t>
             </a:r>
           </a:p>
@@ -6154,7 +6153,7 @@
           <a:lstStyle/>
           <a:p>
             <a:r>
-              <a:rPr lang="en-US" smtClean="0"/>
+              <a:rPr lang="en-US"/>
               <a:t>Click to edit Master title style</a:t>
             </a:r>
             <a:endParaRPr lang="en-US" dirty="0"/>
@@ -6185,35 +6184,35 @@
           <a:p>
             <a:pPr lvl="0"/>
             <a:r>
-              <a:rPr lang="en-US" smtClean="0"/>
+              <a:rPr lang="en-US"/>
               <a:t>Click to edit Master text styles</a:t>
             </a:r>
           </a:p>
           <a:p>
             <a:pPr lvl="1"/>
             <a:r>
-              <a:rPr lang="en-US" smtClean="0"/>
+              <a:rPr lang="en-US"/>
               <a:t>Second level</a:t>
             </a:r>
           </a:p>
           <a:p>
             <a:pPr lvl="2"/>
             <a:r>
-              <a:rPr lang="en-US" smtClean="0"/>
+              <a:rPr lang="en-US"/>
               <a:t>Third level</a:t>
             </a:r>
           </a:p>
           <a:p>
             <a:pPr lvl="3"/>
             <a:r>
-              <a:rPr lang="en-US" smtClean="0"/>
+              <a:rPr lang="en-US"/>
               <a:t>Fourth level</a:t>
             </a:r>
           </a:p>
           <a:p>
             <a:pPr lvl="4"/>
             <a:r>
-              <a:rPr lang="en-US" smtClean="0"/>
+              <a:rPr lang="en-US"/>
               <a:t>Fifth level</a:t>
             </a:r>
             <a:endParaRPr lang="en-US" dirty="0"/>
@@ -6244,35 +6243,35 @@
           <a:p>
             <a:pPr lvl="0"/>
             <a:r>
-              <a:rPr lang="en-US" smtClean="0"/>
+              <a:rPr lang="en-US"/>
               <a:t>Click to edit Master text styles</a:t>
             </a:r>
           </a:p>
           <a:p>
             <a:pPr lvl="1"/>
             <a:r>
-              <a:rPr lang="en-US" smtClean="0"/>
+              <a:rPr lang="en-US"/>
               <a:t>Second level</a:t>
             </a:r>
           </a:p>
           <a:p>
             <a:pPr lvl="2"/>
             <a:r>
-              <a:rPr lang="en-US" smtClean="0"/>
+              <a:rPr lang="en-US"/>
               <a:t>Third level</a:t>
             </a:r>
           </a:p>
           <a:p>
             <a:pPr lvl="3"/>
             <a:r>
-              <a:rPr lang="en-US" smtClean="0"/>
+              <a:rPr lang="en-US"/>
               <a:t>Fourth level</a:t>
             </a:r>
           </a:p>
           <a:p>
             <a:pPr lvl="4"/>
             <a:r>
-              <a:rPr lang="en-US" smtClean="0"/>
+              <a:rPr lang="en-US"/>
               <a:t>Fifth level</a:t>
             </a:r>
             <a:endParaRPr lang="en-US" dirty="0"/>
@@ -6494,7 +6493,7 @@
           <a:lstStyle/>
           <a:p>
             <a:r>
-              <a:rPr lang="en-US" smtClean="0"/>
+              <a:rPr lang="en-US"/>
               <a:t>Click to edit Master title style</a:t>
             </a:r>
             <a:endParaRPr lang="en-US" dirty="0"/>
@@ -6562,7 +6561,7 @@
           <a:p>
             <a:pPr lvl="0"/>
             <a:r>
-              <a:rPr lang="en-US" smtClean="0"/>
+              <a:rPr lang="en-US"/>
               <a:t>Click to edit Master text styles</a:t>
             </a:r>
           </a:p>
@@ -6592,35 +6591,35 @@
           <a:p>
             <a:pPr lvl="0"/>
             <a:r>
-              <a:rPr lang="en-US" smtClean="0"/>
+              <a:rPr lang="en-US"/>
               <a:t>Click to edit Master text styles</a:t>
             </a:r>
           </a:p>
           <a:p>
             <a:pPr lvl="1"/>
             <a:r>
-              <a:rPr lang="en-US" smtClean="0"/>
+              <a:rPr lang="en-US"/>
               <a:t>Second level</a:t>
             </a:r>
           </a:p>
           <a:p>
             <a:pPr lvl="2"/>
             <a:r>
-              <a:rPr lang="en-US" smtClean="0"/>
+              <a:rPr lang="en-US"/>
               <a:t>Third level</a:t>
             </a:r>
           </a:p>
           <a:p>
             <a:pPr lvl="3"/>
             <a:r>
-              <a:rPr lang="en-US" smtClean="0"/>
+              <a:rPr lang="en-US"/>
               <a:t>Fourth level</a:t>
             </a:r>
           </a:p>
           <a:p>
             <a:pPr lvl="4"/>
             <a:r>
-              <a:rPr lang="en-US" smtClean="0"/>
+              <a:rPr lang="en-US"/>
               <a:t>Fifth level</a:t>
             </a:r>
             <a:endParaRPr lang="en-US" dirty="0"/>
@@ -6688,7 +6687,7 @@
           <a:p>
             <a:pPr lvl="0"/>
             <a:r>
-              <a:rPr lang="en-US" smtClean="0"/>
+              <a:rPr lang="en-US"/>
               <a:t>Click to edit Master text styles</a:t>
             </a:r>
           </a:p>
@@ -6718,35 +6717,35 @@
           <a:p>
             <a:pPr lvl="0"/>
             <a:r>
-              <a:rPr lang="en-US" smtClean="0"/>
+              <a:rPr lang="en-US"/>
               <a:t>Click to edit Master text styles</a:t>
             </a:r>
           </a:p>
           <a:p>
             <a:pPr lvl="1"/>
             <a:r>
-              <a:rPr lang="en-US" smtClean="0"/>
+              <a:rPr lang="en-US"/>
               <a:t>Second level</a:t>
             </a:r>
           </a:p>
           <a:p>
             <a:pPr lvl="2"/>
             <a:r>
-              <a:rPr lang="en-US" smtClean="0"/>
+              <a:rPr lang="en-US"/>
               <a:t>Third level</a:t>
             </a:r>
           </a:p>
           <a:p>
             <a:pPr lvl="3"/>
             <a:r>
-              <a:rPr lang="en-US" smtClean="0"/>
+              <a:rPr lang="en-US"/>
               <a:t>Fourth level</a:t>
             </a:r>
           </a:p>
           <a:p>
             <a:pPr lvl="4"/>
             <a:r>
-              <a:rPr lang="en-US" smtClean="0"/>
+              <a:rPr lang="en-US"/>
               <a:t>Fifth level</a:t>
             </a:r>
             <a:endParaRPr lang="en-US" dirty="0"/>
@@ -6973,7 +6972,7 @@
           <a:lstStyle/>
           <a:p>
             <a:r>
-              <a:rPr lang="en-US" smtClean="0"/>
+              <a:rPr lang="en-US"/>
               <a:t>Click to edit Master title style</a:t>
             </a:r>
             <a:endParaRPr lang="en-US" dirty="0"/>
@@ -7393,7 +7392,7 @@
           </a:lstStyle>
           <a:p>
             <a:r>
-              <a:rPr lang="en-US" smtClean="0"/>
+              <a:rPr lang="en-US"/>
               <a:t>Click to edit Master title style</a:t>
             </a:r>
             <a:endParaRPr lang="en-US" dirty="0"/>
@@ -7424,35 +7423,35 @@
           <a:p>
             <a:pPr lvl="0"/>
             <a:r>
-              <a:rPr lang="en-US" smtClean="0"/>
+              <a:rPr lang="en-US"/>
               <a:t>Click to edit Master text styles</a:t>
             </a:r>
           </a:p>
           <a:p>
             <a:pPr lvl="1"/>
             <a:r>
-              <a:rPr lang="en-US" smtClean="0"/>
+              <a:rPr lang="en-US"/>
               <a:t>Second level</a:t>
             </a:r>
           </a:p>
           <a:p>
             <a:pPr lvl="2"/>
             <a:r>
-              <a:rPr lang="en-US" smtClean="0"/>
+              <a:rPr lang="en-US"/>
               <a:t>Third level</a:t>
             </a:r>
           </a:p>
           <a:p>
             <a:pPr lvl="3"/>
             <a:r>
-              <a:rPr lang="en-US" smtClean="0"/>
+              <a:rPr lang="en-US"/>
               <a:t>Fourth level</a:t>
             </a:r>
           </a:p>
           <a:p>
             <a:pPr lvl="4"/>
             <a:r>
-              <a:rPr lang="en-US" smtClean="0"/>
+              <a:rPr lang="en-US"/>
               <a:t>Fifth level</a:t>
             </a:r>
             <a:endParaRPr lang="en-US" dirty="0"/>
@@ -7518,7 +7517,7 @@
           <a:p>
             <a:pPr lvl="0"/>
             <a:r>
-              <a:rPr lang="en-US" smtClean="0"/>
+              <a:rPr lang="en-US"/>
               <a:t>Click to edit Master text styles</a:t>
             </a:r>
           </a:p>
@@ -7745,7 +7744,7 @@
           </a:lstStyle>
           <a:p>
             <a:r>
-              <a:rPr lang="en-US" smtClean="0"/>
+              <a:rPr lang="en-US"/>
               <a:t>Click to edit Master title style</a:t>
             </a:r>
             <a:endParaRPr lang="en-US" dirty="0"/>
@@ -7812,7 +7811,7 @@
           </a:lstStyle>
           <a:p>
             <a:r>
-              <a:rPr lang="en-US" smtClean="0"/>
+              <a:rPr lang="en-US"/>
               <a:t>Click icon to add picture</a:t>
             </a:r>
             <a:endParaRPr lang="en-US" dirty="0"/>
@@ -7880,7 +7879,7 @@
           <a:p>
             <a:pPr lvl="0"/>
             <a:r>
-              <a:rPr lang="en-US" smtClean="0"/>
+              <a:rPr lang="en-US"/>
               <a:t>Click to edit Master text styles</a:t>
             </a:r>
           </a:p>
@@ -9933,7 +9932,7 @@
           <a:lstStyle/>
           <a:p>
             <a:r>
-              <a:rPr lang="en-US" smtClean="0"/>
+              <a:rPr lang="en-US"/>
               <a:t>Click to edit Master title style</a:t>
             </a:r>
             <a:endParaRPr lang="en-US" dirty="0"/>
@@ -9967,35 +9966,35 @@
           <a:p>
             <a:pPr lvl="0"/>
             <a:r>
-              <a:rPr lang="en-US" smtClean="0"/>
+              <a:rPr lang="en-US"/>
               <a:t>Click to edit Master text styles</a:t>
             </a:r>
           </a:p>
           <a:p>
             <a:pPr lvl="1"/>
             <a:r>
-              <a:rPr lang="en-US" smtClean="0"/>
+              <a:rPr lang="en-US"/>
               <a:t>Second level</a:t>
             </a:r>
           </a:p>
           <a:p>
             <a:pPr lvl="2"/>
             <a:r>
-              <a:rPr lang="en-US" smtClean="0"/>
+              <a:rPr lang="en-US"/>
               <a:t>Third level</a:t>
             </a:r>
           </a:p>
           <a:p>
             <a:pPr lvl="3"/>
             <a:r>
-              <a:rPr lang="en-US" smtClean="0"/>
+              <a:rPr lang="en-US"/>
               <a:t>Fourth level</a:t>
             </a:r>
           </a:p>
           <a:p>
             <a:pPr lvl="4"/>
             <a:r>
-              <a:rPr lang="en-US" smtClean="0"/>
+              <a:rPr lang="en-US"/>
               <a:t>Fifth level</a:t>
             </a:r>
             <a:endParaRPr lang="en-US" dirty="0"/>
@@ -10616,7 +10615,7 @@
               <a:buNone/>
             </a:pPr>
             <a:r>
-              <a:rPr lang="en-US" sz="4400" b="1" i="0" u="none" strike="noStrike" cap="none" dirty="0" smtClean="0">
+              <a:rPr lang="en-US" sz="4400" b="1" i="0" u="none" strike="noStrike" cap="none" dirty="0">
                 <a:solidFill>
                   <a:schemeClr val="tx1"/>
                 </a:solidFill>
@@ -10637,19 +10636,8 @@
               </a:rPr>
               <a:t> </a:t>
             </a:r>
-            <a:r>
-              <a:rPr lang="en-US" sz="4400" b="1" dirty="0" smtClean="0">
-                <a:solidFill>
-                  <a:schemeClr val="tx1"/>
-                </a:solidFill>
-                <a:ea typeface="Arial"/>
-                <a:cs typeface="Arial"/>
-                <a:sym typeface="Arial"/>
-              </a:rPr>
-              <a:t/>
-            </a:r>
             <a:br>
-              <a:rPr lang="en-US" sz="4400" b="1" dirty="0" smtClean="0">
+              <a:rPr lang="en-US" sz="4400" b="1" dirty="0">
                 <a:solidFill>
                   <a:schemeClr val="tx1"/>
                 </a:solidFill>
@@ -10659,7 +10647,7 @@
               </a:rPr>
             </a:br>
             <a:r>
-              <a:rPr lang="en-US" sz="4400" b="1" dirty="0" smtClean="0">
+              <a:rPr lang="en-US" sz="4400" b="1" dirty="0">
                 <a:solidFill>
                   <a:schemeClr val="tx1"/>
                 </a:solidFill>
@@ -10667,21 +10655,10 @@
                 <a:cs typeface="Arial"/>
                 <a:sym typeface="Arial"/>
               </a:rPr>
-              <a:t>Part </a:t>
-            </a:r>
-            <a:r>
-              <a:rPr lang="en-US" sz="4400" b="1" dirty="0" smtClean="0">
-                <a:solidFill>
-                  <a:schemeClr val="tx1"/>
-                </a:solidFill>
-                <a:ea typeface="Arial"/>
-                <a:cs typeface="Arial"/>
-                <a:sym typeface="Arial"/>
-              </a:rPr>
-              <a:t>II </a:t>
-            </a:r>
-            <a:r>
-              <a:rPr lang="en-US" sz="4400" b="1" smtClean="0">
+              <a:t>Part II </a:t>
+            </a:r>
+            <a:r>
+              <a:rPr lang="en-US" sz="4400" b="1">
                 <a:solidFill>
                   <a:schemeClr val="tx1"/>
                 </a:solidFill>
@@ -10746,18 +10723,7 @@
                 <a:cs typeface="Arial"/>
                 <a:sym typeface="Arial"/>
               </a:rPr>
-              <a:t>AGGP </a:t>
-            </a:r>
-            <a:r>
-              <a:rPr lang="en-US" b="1" dirty="0" smtClean="0">
-                <a:solidFill>
-                  <a:schemeClr val="tx1"/>
-                </a:solidFill>
-                <a:ea typeface="Arial"/>
-                <a:cs typeface="Arial"/>
-                <a:sym typeface="Arial"/>
-              </a:rPr>
-              <a:t>101c</a:t>
+              <a:t>AGGP 101c</a:t>
             </a:r>
           </a:p>
           <a:p>
@@ -10768,7 +10734,7 @@
               <a:buSzPct val="25000"/>
             </a:pPr>
             <a:r>
-              <a:rPr lang="en-US" b="1" dirty="0" smtClean="0">
+              <a:rPr lang="en-US" b="1" dirty="0">
                 <a:solidFill>
                   <a:schemeClr val="tx1"/>
                 </a:solidFill>
@@ -10776,29 +10742,7 @@
                 <a:cs typeface="Arial"/>
                 <a:sym typeface="Arial"/>
               </a:rPr>
-              <a:t>Introduction </a:t>
-            </a:r>
-            <a:r>
-              <a:rPr lang="en-US" b="1" dirty="0">
-                <a:solidFill>
-                  <a:schemeClr val="tx1"/>
-                </a:solidFill>
-                <a:ea typeface="Arial"/>
-                <a:cs typeface="Arial"/>
-                <a:sym typeface="Arial"/>
-              </a:rPr>
-              <a:t>to Game Design </a:t>
-            </a:r>
-            <a:r>
-              <a:rPr lang="en-US" b="1" dirty="0" smtClean="0">
-                <a:solidFill>
-                  <a:schemeClr val="tx1"/>
-                </a:solidFill>
-                <a:ea typeface="Arial"/>
-                <a:cs typeface="Arial"/>
-                <a:sym typeface="Arial"/>
-              </a:rPr>
-              <a:t>and </a:t>
+              <a:t>Introduction to Game Design and </a:t>
             </a:r>
           </a:p>
           <a:p>
@@ -10809,7 +10753,7 @@
               <a:buSzPct val="25000"/>
             </a:pPr>
             <a:r>
-              <a:rPr lang="en-US" b="1" dirty="0" smtClean="0">
+              <a:rPr lang="en-US" b="1" dirty="0">
                 <a:solidFill>
                   <a:schemeClr val="tx1"/>
                 </a:solidFill>
@@ -10817,18 +10761,7 @@
                 <a:cs typeface="Arial"/>
                 <a:sym typeface="Arial"/>
               </a:rPr>
-              <a:t>Creation </a:t>
-            </a:r>
-            <a:r>
-              <a:rPr lang="en-US" b="1" dirty="0">
-                <a:solidFill>
-                  <a:schemeClr val="tx1"/>
-                </a:solidFill>
-                <a:ea typeface="Arial"/>
-                <a:cs typeface="Arial"/>
-                <a:sym typeface="Arial"/>
-              </a:rPr>
-              <a:t>with Programming</a:t>
+              <a:t>Creation with Programming</a:t>
             </a:r>
             <a:endParaRPr lang="en-US" sz="3200" b="0" i="0" u="none" strike="noStrike" cap="none" dirty="0">
               <a:solidFill>
@@ -10846,13 +10779,6 @@
   <p:clrMapOvr>
     <a:masterClrMapping/>
   </p:clrMapOvr>
-  <p:timing>
-    <p:tnLst>
-      <p:par>
-        <p:cTn id="1" dur="indefinite" restart="never" nodeType="tmRoot"/>
-      </p:par>
-    </p:tnLst>
-  </p:timing>
 </p:sld>
 </file>
 
@@ -10903,11 +10829,7 @@
             </a:pPr>
             <a:r>
               <a:rPr lang="en-US" dirty="0"/>
-              <a:t>Conditional </a:t>
-            </a:r>
-            <a:r>
-              <a:rPr lang="en-US" dirty="0" smtClean="0"/>
-              <a:t>Statements</a:t>
+              <a:t>Conditional Statements</a:t>
             </a:r>
             <a:endParaRPr lang="en-US" sz="4400" b="0" i="0" u="none" strike="noStrike" cap="none" dirty="0">
               <a:solidFill>
@@ -10951,13 +10873,7 @@
               <a:rPr lang="en-US" sz="2000" dirty="0">
                 <a:cs typeface="Courier New" panose="02070309020205020404" pitchFamily="49" charset="0"/>
               </a:rPr>
-              <a:t>Conditional </a:t>
-            </a:r>
-            <a:r>
-              <a:rPr lang="en-US" sz="2000" dirty="0" smtClean="0">
-                <a:cs typeface="Courier New" panose="02070309020205020404" pitchFamily="49" charset="0"/>
-              </a:rPr>
-              <a:t>Statement, also called Boolean statement, or Boolean math are statements in code that when finally processed will reduce down to single true or false. </a:t>
+              <a:t>Conditional Statement, also called Boolean statement, or Boolean math are statements in code that when finally processed will reduce down to single true or false. </a:t>
             </a:r>
           </a:p>
           <a:p>
@@ -10969,7 +10885,7 @@
           <a:p>
             <a:pPr lvl="0" indent="-457200"/>
             <a:r>
-              <a:rPr lang="en-US" sz="2000" dirty="0" smtClean="0">
+              <a:rPr lang="en-US" sz="2000" dirty="0">
                 <a:cs typeface="Courier New" panose="02070309020205020404" pitchFamily="49" charset="0"/>
               </a:rPr>
               <a:t>These statements can consist in any combination of the following:</a:t>
@@ -10978,7 +10894,7 @@
           <a:p>
             <a:pPr lvl="1" indent="-457200"/>
             <a:r>
-              <a:rPr lang="en-US" sz="1600" dirty="0" smtClean="0">
+              <a:rPr lang="en-US" sz="1600" dirty="0">
                 <a:cs typeface="Courier New" panose="02070309020205020404" pitchFamily="49" charset="0"/>
               </a:rPr>
               <a:t>Checks made using Equality Operations </a:t>
@@ -10987,7 +10903,7 @@
           <a:p>
             <a:pPr lvl="1" indent="-457200"/>
             <a:r>
-              <a:rPr lang="en-US" sz="1600" dirty="0" smtClean="0">
+              <a:rPr lang="en-US" sz="1600" dirty="0">
                 <a:cs typeface="Courier New" panose="02070309020205020404" pitchFamily="49" charset="0"/>
               </a:rPr>
               <a:t>Combination of multiple checks with Logical Operations </a:t>
@@ -10996,7 +10912,7 @@
           <a:p>
             <a:pPr lvl="1" indent="-457200"/>
             <a:r>
-              <a:rPr lang="en-US" sz="1600" dirty="0" smtClean="0">
+              <a:rPr lang="en-US" sz="1600" dirty="0">
                 <a:cs typeface="Courier New" panose="02070309020205020404" pitchFamily="49" charset="0"/>
               </a:rPr>
               <a:t>Booleans</a:t>
@@ -11004,7 +10920,7 @@
           </a:p>
           <a:p>
             <a:pPr lvl="1" indent="-457200"/>
-            <a:endParaRPr lang="en-US" sz="1600" dirty="0" smtClean="0">
+            <a:endParaRPr lang="en-US" sz="1600" dirty="0">
               <a:cs typeface="Courier New" panose="02070309020205020404" pitchFamily="49" charset="0"/>
             </a:endParaRPr>
           </a:p>
@@ -11068,13 +10984,6 @@
   <p:clrMapOvr>
     <a:masterClrMapping/>
   </p:clrMapOvr>
-  <p:timing>
-    <p:tnLst>
-      <p:par>
-        <p:cTn id="1" dur="indefinite" restart="never" nodeType="tmRoot"/>
-      </p:par>
-    </p:tnLst>
-  </p:timing>
 </p:sld>
 </file>
 
@@ -11124,7 +11033,7 @@
               <a:buSzPct val="25000"/>
             </a:pPr>
             <a:r>
-              <a:rPr lang="en-US" dirty="0" smtClean="0"/>
+              <a:rPr lang="en-US" dirty="0"/>
               <a:t>Equality Operators</a:t>
             </a:r>
             <a:endParaRPr lang="en-US" sz="4400" b="0" i="0" u="none" strike="noStrike" cap="none" dirty="0">
@@ -11166,7 +11075,7 @@
           <a:p>
             <a:pPr lvl="0" indent="-457200"/>
             <a:r>
-              <a:rPr lang="en-US" sz="2000" dirty="0" smtClean="0">
+              <a:rPr lang="en-US" sz="2000" dirty="0">
                 <a:cs typeface="Courier New" panose="02070309020205020404" pitchFamily="49" charset="0"/>
               </a:rPr>
               <a:t>==			Equal to</a:t>
@@ -11177,7 +11086,7 @@
               <a:buNone/>
             </a:pPr>
             <a:r>
-              <a:rPr lang="en-US" sz="2000" dirty="0" smtClean="0">
+              <a:rPr lang="en-US" sz="2000" dirty="0">
                 <a:cs typeface="Courier New" panose="02070309020205020404" pitchFamily="49" charset="0"/>
               </a:rPr>
               <a:t>				It’s two equal signs! </a:t>
@@ -11191,22 +11100,16 @@
               <a:rPr lang="en-US" sz="2000" dirty="0">
                 <a:cs typeface="Courier New" panose="02070309020205020404" pitchFamily="49" charset="0"/>
               </a:rPr>
-              <a:t>	</a:t>
-            </a:r>
-            <a:r>
-              <a:rPr lang="en-US" sz="2000" dirty="0" smtClean="0">
-                <a:cs typeface="Courier New" panose="02070309020205020404" pitchFamily="49" charset="0"/>
-              </a:rPr>
-              <a:t>			If you use one, you are assigning a value. </a:t>
-            </a:r>
-            <a:endParaRPr lang="en-US" sz="800" dirty="0" smtClean="0">
+              <a:t>				If you use one, you are assigning a value. </a:t>
+            </a:r>
+            <a:endParaRPr lang="en-US" sz="800" dirty="0">
               <a:cs typeface="Courier New" panose="02070309020205020404" pitchFamily="49" charset="0"/>
             </a:endParaRPr>
           </a:p>
           <a:p>
             <a:pPr lvl="0" indent="-457200"/>
             <a:r>
-              <a:rPr lang="en-US" sz="2000" dirty="0" smtClean="0">
+              <a:rPr lang="en-US" sz="2000" dirty="0">
                 <a:cs typeface="Courier New" panose="02070309020205020404" pitchFamily="49" charset="0"/>
               </a:rPr>
               <a:t>&gt;  	 		Greater than, </a:t>
@@ -11215,7 +11118,7 @@
           <a:p>
             <a:pPr lvl="0" indent="-457200"/>
             <a:r>
-              <a:rPr lang="en-US" sz="2000" dirty="0" smtClean="0">
+              <a:rPr lang="en-US" sz="2000" dirty="0">
                 <a:cs typeface="Courier New" panose="02070309020205020404" pitchFamily="49" charset="0"/>
               </a:rPr>
               <a:t>&lt;			Less Than</a:t>
@@ -11224,7 +11127,7 @@
           <a:p>
             <a:pPr lvl="0" indent="-457200"/>
             <a:r>
-              <a:rPr lang="en-US" sz="2000" dirty="0" smtClean="0">
+              <a:rPr lang="en-US" sz="2000" dirty="0">
                 <a:cs typeface="Courier New" panose="02070309020205020404" pitchFamily="49" charset="0"/>
               </a:rPr>
               <a:t>&gt;=			Greater than and Equal to</a:t>
@@ -11233,45 +11136,21 @@
           <a:p>
             <a:pPr indent="-457200"/>
             <a:r>
-              <a:rPr lang="en-US" sz="2000" dirty="0" smtClean="0">
-                <a:cs typeface="Courier New" panose="02070309020205020404" pitchFamily="49" charset="0"/>
-              </a:rPr>
-              <a:t>&lt;=</a:t>
-            </a:r>
-            <a:r>
               <a:rPr lang="en-US" sz="2000" dirty="0">
                 <a:cs typeface="Courier New" panose="02070309020205020404" pitchFamily="49" charset="0"/>
               </a:rPr>
-              <a:t>			</a:t>
-            </a:r>
-            <a:r>
-              <a:rPr lang="en-US" sz="2000" dirty="0" smtClean="0">
-                <a:cs typeface="Courier New" panose="02070309020205020404" pitchFamily="49" charset="0"/>
-              </a:rPr>
-              <a:t>Less than and </a:t>
-            </a:r>
+              <a:t>&lt;=			Less than and Equal to</a:t>
+            </a:r>
+          </a:p>
+          <a:p>
+            <a:pPr indent="-457200"/>
             <a:r>
               <a:rPr lang="en-US" sz="2000" dirty="0">
                 <a:cs typeface="Courier New" panose="02070309020205020404" pitchFamily="49" charset="0"/>
               </a:rPr>
-              <a:t>Equal </a:t>
-            </a:r>
-            <a:r>
-              <a:rPr lang="en-US" sz="2000" dirty="0" smtClean="0">
-                <a:cs typeface="Courier New" panose="02070309020205020404" pitchFamily="49" charset="0"/>
-              </a:rPr>
-              <a:t>to</a:t>
-            </a:r>
-          </a:p>
-          <a:p>
-            <a:pPr indent="-457200"/>
-            <a:r>
-              <a:rPr lang="en-US" sz="2000" dirty="0" smtClean="0">
-                <a:cs typeface="Courier New" panose="02070309020205020404" pitchFamily="49" charset="0"/>
-              </a:rPr>
               <a:t>!= 			Not Equal to</a:t>
             </a:r>
-            <a:endParaRPr lang="en-US" sz="2000" dirty="0" smtClean="0">
+            <a:endParaRPr lang="en-US" sz="2000" dirty="0">
               <a:latin typeface="Courier New" panose="02070309020205020404" pitchFamily="49" charset="0"/>
               <a:cs typeface="Courier New" panose="02070309020205020404" pitchFamily="49" charset="0"/>
             </a:endParaRPr>
@@ -11336,13 +11215,6 @@
   <p:clrMapOvr>
     <a:masterClrMapping/>
   </p:clrMapOvr>
-  <p:timing>
-    <p:tnLst>
-      <p:par>
-        <p:cTn id="1" dur="indefinite" restart="never" nodeType="tmRoot"/>
-      </p:par>
-    </p:tnLst>
-  </p:timing>
 </p:sld>
 </file>
 
@@ -11392,7 +11264,7 @@
               <a:buSzPct val="25000"/>
             </a:pPr>
             <a:r>
-              <a:rPr lang="en-US" dirty="0" smtClean="0"/>
+              <a:rPr lang="en-US" dirty="0"/>
               <a:t>Logical Operators</a:t>
             </a:r>
             <a:endParaRPr lang="en-US" sz="4400" b="0" i="0" u="none" strike="noStrike" cap="none" dirty="0">
@@ -11434,52 +11306,28 @@
           <a:p>
             <a:pPr lvl="0" indent="-457200"/>
             <a:r>
-              <a:rPr lang="en-US" sz="2000" dirty="0" smtClean="0">
+              <a:rPr lang="en-US" sz="2000" dirty="0">
                 <a:cs typeface="Courier New" panose="02070309020205020404" pitchFamily="49" charset="0"/>
               </a:rPr>
-              <a:t>&amp;&amp;</a:t>
-            </a:r>
-            <a:r>
-              <a:rPr lang="en-US" sz="2000" dirty="0" smtClean="0">
+              <a:t>&amp;&amp;		And Operator</a:t>
+            </a:r>
+          </a:p>
+          <a:p>
+            <a:pPr lvl="0" indent="-457200"/>
+            <a:r>
+              <a:rPr lang="en-US" sz="2000" dirty="0">
                 <a:cs typeface="Courier New" panose="02070309020205020404" pitchFamily="49" charset="0"/>
               </a:rPr>
-              <a:t>		And Operator</a:t>
+              <a:t>||		Or Operator</a:t>
             </a:r>
           </a:p>
           <a:p>
             <a:pPr lvl="0" indent="-457200"/>
             <a:r>
-              <a:rPr lang="en-US" sz="2000" dirty="0" smtClean="0">
+              <a:rPr lang="en-US" sz="2000" dirty="0">
                 <a:cs typeface="Courier New" panose="02070309020205020404" pitchFamily="49" charset="0"/>
               </a:rPr>
-              <a:t>||</a:t>
-            </a:r>
-            <a:r>
-              <a:rPr lang="en-US" sz="2000" dirty="0" smtClean="0">
-                <a:cs typeface="Courier New" panose="02070309020205020404" pitchFamily="49" charset="0"/>
-              </a:rPr>
-              <a:t>		Or Operator</a:t>
-            </a:r>
-          </a:p>
-          <a:p>
-            <a:pPr lvl="0" indent="-457200"/>
-            <a:r>
-              <a:rPr lang="en-US" sz="2000" dirty="0" smtClean="0">
-                <a:cs typeface="Courier New" panose="02070309020205020404" pitchFamily="49" charset="0"/>
-              </a:rPr>
-              <a:t>!</a:t>
-            </a:r>
-            <a:r>
-              <a:rPr lang="en-US" sz="2000" dirty="0" smtClean="0">
-                <a:cs typeface="Courier New" panose="02070309020205020404" pitchFamily="49" charset="0"/>
-              </a:rPr>
-              <a:t>		Not </a:t>
-            </a:r>
-            <a:r>
-              <a:rPr lang="en-US" sz="2000" dirty="0" smtClean="0">
-                <a:cs typeface="Courier New" panose="02070309020205020404" pitchFamily="49" charset="0"/>
-              </a:rPr>
-              <a:t>Operator</a:t>
+              <a:t>!		Not Operator</a:t>
             </a:r>
           </a:p>
           <a:p>
@@ -11491,7 +11339,7 @@
           <a:p>
             <a:pPr lvl="0" indent="-457200"/>
             <a:r>
-              <a:rPr lang="en-US" sz="2000" dirty="0" smtClean="0">
+              <a:rPr lang="en-US" sz="2000" dirty="0">
                 <a:cs typeface="Courier New" panose="02070309020205020404" pitchFamily="49" charset="0"/>
               </a:rPr>
               <a:t>Logical operators allows us to combine other logical statements into larger statements. </a:t>
@@ -11557,13 +11405,6 @@
   <p:clrMapOvr>
     <a:masterClrMapping/>
   </p:clrMapOvr>
-  <p:timing>
-    <p:tnLst>
-      <p:par>
-        <p:cTn id="1" dur="indefinite" restart="never" nodeType="tmRoot"/>
-      </p:par>
-    </p:tnLst>
-  </p:timing>
 </p:sld>
 </file>
 
@@ -11572,7 +11413,7 @@
   <p:cSld>
     <p:spTree>
       <p:nvGrpSpPr>
-        <p:cNvPr id="1" name=""/>
+        <p:cNvPr id="1" name="Shape 128"/>
         <p:cNvGrpSpPr/>
         <p:nvPr/>
       </p:nvGrpSpPr>
@@ -11586,119 +11427,212 @@
       </p:grpSpPr>
       <p:sp>
         <p:nvSpPr>
-          <p:cNvPr id="2" name="Title 1"/>
-          <p:cNvSpPr>
+          <p:cNvPr id="129" name="Shape 129"/>
+          <p:cNvSpPr txBox="1">
             <a:spLocks noGrp="1"/>
           </p:cNvSpPr>
           <p:nvPr>
             <p:ph type="title"/>
           </p:nvPr>
         </p:nvSpPr>
-        <p:spPr/>
-        <p:txBody>
-          <a:bodyPr/>
+        <p:spPr>
+          <a:prstGeom prst="rect">
+            <a:avLst/>
+          </a:prstGeom>
+          <a:noFill/>
+          <a:ln>
+            <a:noFill/>
+          </a:ln>
+        </p:spPr>
+        <p:txBody>
+          <a:bodyPr lIns="91425" tIns="45700" rIns="91425" bIns="45700" anchor="ctr" anchorCtr="0">
+            <a:noAutofit/>
+          </a:bodyPr>
           <a:lstStyle/>
           <a:p>
-            <a:r>
-              <a:rPr lang="en-US" dirty="0" err="1" smtClean="0"/>
-              <a:t>Bools,Null</a:t>
-            </a:r>
-            <a:r>
-              <a:rPr lang="en-US" dirty="0" smtClean="0"/>
-              <a:t>, &amp; What is False</a:t>
-            </a:r>
-            <a:endParaRPr lang="en-US" dirty="0"/>
-          </a:p>
-        </p:txBody>
-      </p:sp>
-      <p:sp>
-        <p:nvSpPr>
-          <p:cNvPr id="3" name="Text Placeholder 2"/>
-          <p:cNvSpPr>
+            <a:pPr lvl="0">
+              <a:buSzPct val="25000"/>
+            </a:pPr>
+            <a:r>
+              <a:rPr lang="en-US" dirty="0"/>
+              <a:t>if Statements</a:t>
+            </a:r>
+            <a:endParaRPr lang="en-US" sz="4400" b="0" i="0" u="none" strike="noStrike" cap="none" dirty="0">
+              <a:solidFill>
+                <a:schemeClr val="dk1"/>
+              </a:solidFill>
+              <a:latin typeface="Calibri"/>
+              <a:ea typeface="Calibri"/>
+              <a:cs typeface="Calibri"/>
+              <a:sym typeface="Calibri"/>
+            </a:endParaRPr>
+          </a:p>
+        </p:txBody>
+      </p:sp>
+      <p:sp>
+        <p:nvSpPr>
+          <p:cNvPr id="130" name="Shape 130"/>
+          <p:cNvSpPr txBox="1">
             <a:spLocks noGrp="1"/>
           </p:cNvSpPr>
           <p:nvPr>
             <p:ph type="body" idx="1"/>
           </p:nvPr>
         </p:nvSpPr>
-        <p:spPr/>
-        <p:txBody>
-          <a:bodyPr/>
+        <p:spPr>
+          <a:prstGeom prst="rect">
+            <a:avLst/>
+          </a:prstGeom>
+          <a:noFill/>
+          <a:ln>
+            <a:noFill/>
+          </a:ln>
+        </p:spPr>
+        <p:txBody>
+          <a:bodyPr lIns="91425" tIns="45700" rIns="91425" bIns="45700" anchor="t" anchorCtr="0">
+            <a:noAutofit/>
+          </a:bodyPr>
           <a:lstStyle/>
           <a:p>
-            <a:r>
-              <a:rPr lang="en-US" dirty="0" smtClean="0"/>
-              <a:t>False is determined by</a:t>
-            </a:r>
-          </a:p>
-          <a:p>
-            <a:pPr lvl="1"/>
-            <a:r>
-              <a:rPr lang="en-US" dirty="0"/>
-              <a:t> </a:t>
-            </a:r>
-            <a:r>
-              <a:rPr lang="en-US" dirty="0" smtClean="0"/>
-              <a:t>false value </a:t>
-            </a:r>
-          </a:p>
-          <a:p>
-            <a:pPr lvl="1"/>
-            <a:r>
-              <a:rPr lang="en-US" dirty="0" smtClean="0"/>
-              <a:t> Null value</a:t>
-            </a:r>
-          </a:p>
-          <a:p>
-            <a:pPr lvl="1"/>
-            <a:r>
-              <a:rPr lang="en-US" dirty="0"/>
-              <a:t> </a:t>
-            </a:r>
-            <a:r>
-              <a:rPr lang="en-US" dirty="0" smtClean="0"/>
-              <a:t>Zero Value </a:t>
-            </a:r>
-            <a:endParaRPr lang="en-US" dirty="0"/>
-          </a:p>
-        </p:txBody>
-      </p:sp>
-      <p:sp>
-        <p:nvSpPr>
-          <p:cNvPr id="4" name="Text Placeholder 3"/>
-          <p:cNvSpPr>
+            <a:pPr lvl="0" indent="-457200"/>
+            <a:r>
+              <a:rPr lang="en-US" sz="2000" dirty="0">
+                <a:cs typeface="Courier New" panose="02070309020205020404" pitchFamily="49" charset="0"/>
+              </a:rPr>
+              <a:t>If Statements are your basic logical control </a:t>
+            </a:r>
+          </a:p>
+          <a:p>
+            <a:pPr marL="0" lvl="0" indent="0">
+              <a:buNone/>
+            </a:pPr>
+            <a:r>
+              <a:rPr lang="en-US" sz="2000" dirty="0">
+                <a:latin typeface="Courier New" panose="02070309020205020404" pitchFamily="49" charset="0"/>
+                <a:cs typeface="Courier New" panose="02070309020205020404" pitchFamily="49" charset="0"/>
+              </a:rPr>
+              <a:t>if (</a:t>
+            </a:r>
+            <a:r>
+              <a:rPr lang="en-US" sz="2000" i="1" dirty="0">
+                <a:latin typeface="Courier New" panose="02070309020205020404" pitchFamily="49" charset="0"/>
+                <a:cs typeface="Courier New" panose="02070309020205020404" pitchFamily="49" charset="0"/>
+              </a:rPr>
+              <a:t>Conditional Statement</a:t>
+            </a:r>
+            <a:r>
+              <a:rPr lang="en-US" sz="2000" dirty="0">
+                <a:latin typeface="Courier New" panose="02070309020205020404" pitchFamily="49" charset="0"/>
+                <a:cs typeface="Courier New" panose="02070309020205020404" pitchFamily="49" charset="0"/>
+              </a:rPr>
+              <a:t>)</a:t>
+            </a:r>
+          </a:p>
+          <a:p>
+            <a:pPr marL="0" lvl="0" indent="0">
+              <a:buNone/>
+            </a:pPr>
+            <a:r>
+              <a:rPr lang="en-US" sz="2000" dirty="0">
+                <a:latin typeface="Courier New" panose="02070309020205020404" pitchFamily="49" charset="0"/>
+                <a:cs typeface="Courier New" panose="02070309020205020404" pitchFamily="49" charset="0"/>
+              </a:rPr>
+              <a:t>{ </a:t>
+            </a:r>
+          </a:p>
+          <a:p>
+            <a:pPr marL="0" lvl="0" indent="0">
+              <a:buNone/>
+            </a:pPr>
+            <a:r>
+              <a:rPr lang="en-US" sz="2000" dirty="0">
+                <a:latin typeface="Courier New" panose="02070309020205020404" pitchFamily="49" charset="0"/>
+                <a:cs typeface="Courier New" panose="02070309020205020404" pitchFamily="49" charset="0"/>
+              </a:rPr>
+              <a:t>	// If true do code here</a:t>
+            </a:r>
+          </a:p>
+          <a:p>
+            <a:pPr marL="0" lvl="0" indent="0">
+              <a:buNone/>
+            </a:pPr>
+            <a:r>
+              <a:rPr lang="en-US" sz="2000" dirty="0">
+                <a:latin typeface="Courier New" panose="02070309020205020404" pitchFamily="49" charset="0"/>
+                <a:cs typeface="Courier New" panose="02070309020205020404" pitchFamily="49" charset="0"/>
+              </a:rPr>
+              <a:t>}</a:t>
+            </a:r>
+          </a:p>
+          <a:p>
+            <a:pPr marL="0" lvl="0" indent="0">
+              <a:buNone/>
+            </a:pPr>
+            <a:endParaRPr lang="en-US" sz="2000" dirty="0">
+              <a:latin typeface="Courier New" panose="02070309020205020404" pitchFamily="49" charset="0"/>
+              <a:cs typeface="Courier New" panose="02070309020205020404" pitchFamily="49" charset="0"/>
+            </a:endParaRPr>
+          </a:p>
+        </p:txBody>
+      </p:sp>
+      <p:sp>
+        <p:nvSpPr>
+          <p:cNvPr id="131" name="Shape 131"/>
+          <p:cNvSpPr txBox="1">
             <a:spLocks noGrp="1"/>
           </p:cNvSpPr>
           <p:nvPr>
             <p:ph type="body" idx="2"/>
           </p:nvPr>
         </p:nvSpPr>
-        <p:spPr/>
-        <p:txBody>
-          <a:bodyPr/>
+        <p:spPr>
+          <a:prstGeom prst="rect">
+            <a:avLst/>
+          </a:prstGeom>
+          <a:noFill/>
+          <a:ln>
+            <a:noFill/>
+          </a:ln>
+        </p:spPr>
+        <p:txBody>
+          <a:bodyPr lIns="91425" tIns="45700" rIns="91425" bIns="45700" anchor="t" anchorCtr="0">
+            <a:noAutofit/>
+          </a:bodyPr>
           <a:lstStyle/>
           <a:p>
-            <a:endParaRPr lang="en-US"/>
+            <a:pPr marL="0" marR="0" lvl="0" indent="0" algn="ctr" rtl="0">
+              <a:spcBef>
+                <a:spcPts val="0"/>
+              </a:spcBef>
+              <a:buClr>
+                <a:schemeClr val="dk1"/>
+              </a:buClr>
+              <a:buSzPct val="25000"/>
+              <a:buFont typeface="Arial"/>
+              <a:buNone/>
+            </a:pPr>
+            <a:endParaRPr sz="3200" b="0" i="0" u="none" strike="noStrike" cap="none" dirty="0">
+              <a:solidFill>
+                <a:schemeClr val="dk1"/>
+              </a:solidFill>
+              <a:latin typeface="Calibri"/>
+              <a:ea typeface="Calibri"/>
+              <a:cs typeface="Calibri"/>
+              <a:sym typeface="Calibri"/>
+            </a:endParaRPr>
           </a:p>
         </p:txBody>
       </p:sp>
     </p:spTree>
     <p:extLst>
       <p:ext uri="{BB962C8B-B14F-4D97-AF65-F5344CB8AC3E}">
-        <p14:creationId xmlns:p14="http://schemas.microsoft.com/office/powerpoint/2010/main" val="2266832617"/>
+        <p14:creationId xmlns:p14="http://schemas.microsoft.com/office/powerpoint/2010/main" val="1156602015"/>
       </p:ext>
     </p:extLst>
   </p:cSld>
   <p:clrMapOvr>
     <a:masterClrMapping/>
   </p:clrMapOvr>
-  <p:timing>
-    <p:tnLst>
-      <p:par>
-        <p:cTn id="1" dur="indefinite" restart="never" nodeType="tmRoot"/>
-      </p:par>
-    </p:tnLst>
-  </p:timing>
 </p:sld>
 </file>
 
@@ -11749,11 +11683,7 @@
             </a:pPr>
             <a:r>
               <a:rPr lang="en-US" dirty="0"/>
-              <a:t>i</a:t>
-            </a:r>
-            <a:r>
-              <a:rPr lang="en-US" dirty="0" smtClean="0"/>
-              <a:t>f Statements</a:t>
+              <a:t>Alternative if styles</a:t>
             </a:r>
             <a:endParaRPr lang="en-US" sz="4400" b="0" i="0" u="none" strike="noStrike" cap="none" dirty="0">
               <a:solidFill>
@@ -11792,57 +11722,29 @@
           </a:bodyPr>
           <a:lstStyle/>
           <a:p>
-            <a:pPr lvl="0" indent="-457200"/>
-            <a:r>
-              <a:rPr lang="en-US" sz="2000" dirty="0" smtClean="0">
-                <a:cs typeface="Courier New" panose="02070309020205020404" pitchFamily="49" charset="0"/>
-              </a:rPr>
-              <a:t>If Statements are your basic logical control </a:t>
-            </a:r>
-          </a:p>
-          <a:p>
             <a:pPr marL="0" lvl="0" indent="0">
               <a:buNone/>
             </a:pPr>
             <a:r>
-              <a:rPr lang="en-US" sz="2000" dirty="0" smtClean="0">
+              <a:rPr lang="en-US" sz="2000" dirty="0">
                 <a:latin typeface="Courier New" panose="02070309020205020404" pitchFamily="49" charset="0"/>
                 <a:cs typeface="Courier New" panose="02070309020205020404" pitchFamily="49" charset="0"/>
               </a:rPr>
               <a:t>if (</a:t>
             </a:r>
             <a:r>
-              <a:rPr lang="en-US" sz="2000" i="1" dirty="0" smtClean="0">
+              <a:rPr lang="en-US" sz="2000" i="1" dirty="0">
                 <a:latin typeface="Courier New" panose="02070309020205020404" pitchFamily="49" charset="0"/>
                 <a:cs typeface="Courier New" panose="02070309020205020404" pitchFamily="49" charset="0"/>
               </a:rPr>
               <a:t>Conditional Statement</a:t>
             </a:r>
             <a:r>
-              <a:rPr lang="en-US" sz="2000" dirty="0" smtClean="0">
-                <a:latin typeface="Courier New" panose="02070309020205020404" pitchFamily="49" charset="0"/>
-                <a:cs typeface="Courier New" panose="02070309020205020404" pitchFamily="49" charset="0"/>
-              </a:rPr>
-              <a:t>)</a:t>
-            </a:r>
-          </a:p>
-          <a:p>
-            <a:pPr marL="0" lvl="0" indent="0">
-              <a:buNone/>
-            </a:pPr>
-            <a:r>
               <a:rPr lang="en-US" sz="2000" dirty="0">
                 <a:latin typeface="Courier New" panose="02070309020205020404" pitchFamily="49" charset="0"/>
                 <a:cs typeface="Courier New" panose="02070309020205020404" pitchFamily="49" charset="0"/>
               </a:rPr>
-              <a:t>{</a:t>
-            </a:r>
-            <a:r>
-              <a:rPr lang="en-US" sz="2000" dirty="0" smtClean="0">
-                <a:latin typeface="Courier New" panose="02070309020205020404" pitchFamily="49" charset="0"/>
-                <a:cs typeface="Courier New" panose="02070309020205020404" pitchFamily="49" charset="0"/>
-              </a:rPr>
-              <a:t> </a:t>
+              <a:t>){</a:t>
             </a:r>
           </a:p>
           <a:p>
@@ -11850,7 +11752,7 @@
               <a:buNone/>
             </a:pPr>
             <a:r>
-              <a:rPr lang="en-US" sz="2000" dirty="0" smtClean="0">
+              <a:rPr lang="en-US" sz="2000" dirty="0">
                 <a:latin typeface="Courier New" panose="02070309020205020404" pitchFamily="49" charset="0"/>
                 <a:cs typeface="Courier New" panose="02070309020205020404" pitchFamily="49" charset="0"/>
               </a:rPr>
@@ -11862,11 +11764,23 @@
               <a:buNone/>
             </a:pPr>
             <a:r>
-              <a:rPr lang="en-US" sz="2000" dirty="0" smtClean="0">
+              <a:rPr lang="en-US" sz="2000" dirty="0">
                 <a:latin typeface="Courier New" panose="02070309020205020404" pitchFamily="49" charset="0"/>
                 <a:cs typeface="Courier New" panose="02070309020205020404" pitchFamily="49" charset="0"/>
               </a:rPr>
-              <a:t>}</a:t>
+              <a:t>} // Choice to use the open brace on it’s own </a:t>
+            </a:r>
+          </a:p>
+          <a:p>
+            <a:pPr marL="0" lvl="0" indent="0">
+              <a:buNone/>
+            </a:pPr>
+            <a:r>
+              <a:rPr lang="en-US" sz="2000" dirty="0">
+                <a:latin typeface="Courier New" panose="02070309020205020404" pitchFamily="49" charset="0"/>
+                <a:cs typeface="Courier New" panose="02070309020205020404" pitchFamily="49" charset="0"/>
+              </a:rPr>
+              <a:t>// line is a style choice. </a:t>
             </a:r>
           </a:p>
           <a:p>
@@ -11877,6 +11791,68 @@
               <a:latin typeface="Courier New" panose="02070309020205020404" pitchFamily="49" charset="0"/>
               <a:cs typeface="Courier New" panose="02070309020205020404" pitchFamily="49" charset="0"/>
             </a:endParaRPr>
+          </a:p>
+          <a:p>
+            <a:pPr marL="0" indent="0">
+              <a:buNone/>
+            </a:pPr>
+            <a:r>
+              <a:rPr lang="en-US" sz="2000" dirty="0">
+                <a:latin typeface="Courier New" panose="02070309020205020404" pitchFamily="49" charset="0"/>
+                <a:cs typeface="Courier New" panose="02070309020205020404" pitchFamily="49" charset="0"/>
+              </a:rPr>
+              <a:t>if (</a:t>
+            </a:r>
+            <a:r>
+              <a:rPr lang="en-US" sz="2000" i="1" dirty="0">
+                <a:latin typeface="Courier New" panose="02070309020205020404" pitchFamily="49" charset="0"/>
+                <a:cs typeface="Courier New" panose="02070309020205020404" pitchFamily="49" charset="0"/>
+              </a:rPr>
+              <a:t>Conditional Statement</a:t>
+            </a:r>
+            <a:r>
+              <a:rPr lang="en-US" sz="2000" dirty="0">
+                <a:latin typeface="Courier New" panose="02070309020205020404" pitchFamily="49" charset="0"/>
+                <a:cs typeface="Courier New" panose="02070309020205020404" pitchFamily="49" charset="0"/>
+              </a:rPr>
+              <a:t>)</a:t>
+            </a:r>
+          </a:p>
+          <a:p>
+            <a:pPr marL="0" indent="0">
+              <a:buNone/>
+            </a:pPr>
+            <a:r>
+              <a:rPr lang="en-US" sz="2000" dirty="0">
+                <a:latin typeface="Courier New" panose="02070309020205020404" pitchFamily="49" charset="0"/>
+                <a:cs typeface="Courier New" panose="02070309020205020404" pitchFamily="49" charset="0"/>
+              </a:rPr>
+              <a:t>	x++; </a:t>
+            </a:r>
+          </a:p>
+          <a:p>
+            <a:pPr marL="0" lvl="0" indent="0">
+              <a:buNone/>
+            </a:pPr>
+            <a:r>
+              <a:rPr lang="en-US" sz="2000" dirty="0">
+                <a:latin typeface="Courier New" panose="02070309020205020404" pitchFamily="49" charset="0"/>
+                <a:cs typeface="Courier New" panose="02070309020205020404" pitchFamily="49" charset="0"/>
+              </a:rPr>
+              <a:t>	// Without { }, the next line of code </a:t>
+            </a:r>
+          </a:p>
+          <a:p>
+            <a:pPr marL="0" lvl="0" indent="0">
+              <a:buNone/>
+            </a:pPr>
+            <a:r>
+              <a:rPr lang="en-US" sz="2000" dirty="0">
+                <a:latin typeface="Courier New" panose="02070309020205020404" pitchFamily="49" charset="0"/>
+                <a:cs typeface="Courier New" panose="02070309020205020404" pitchFamily="49" charset="0"/>
+              </a:rPr>
+              <a:t>	// will run if true. Use this form sparingly </a:t>
+            </a:r>
           </a:p>
         </p:txBody>
       </p:sp>
@@ -11931,20 +11907,13 @@
     </p:spTree>
     <p:extLst>
       <p:ext uri="{BB962C8B-B14F-4D97-AF65-F5344CB8AC3E}">
-        <p14:creationId xmlns:p14="http://schemas.microsoft.com/office/powerpoint/2010/main" val="1156602015"/>
+        <p14:creationId xmlns:p14="http://schemas.microsoft.com/office/powerpoint/2010/main" val="2833700990"/>
       </p:ext>
     </p:extLst>
   </p:cSld>
   <p:clrMapOvr>
     <a:masterClrMapping/>
   </p:clrMapOvr>
-  <p:timing>
-    <p:tnLst>
-      <p:par>
-        <p:cTn id="1" dur="indefinite" restart="never" nodeType="tmRoot"/>
-      </p:par>
-    </p:tnLst>
-  </p:timing>
 </p:sld>
 </file>
 
@@ -11994,8 +11963,8 @@
               <a:buSzPct val="25000"/>
             </a:pPr>
             <a:r>
-              <a:rPr lang="en-US" dirty="0" smtClean="0"/>
-              <a:t>Alternative if styles</a:t>
+              <a:rPr lang="en-US" dirty="0"/>
+              <a:t>if - else</a:t>
             </a:r>
             <a:endParaRPr lang="en-US" sz="4400" b="0" i="0" u="none" strike="noStrike" cap="none" dirty="0">
               <a:solidFill>
@@ -12038,25 +12007,25 @@
               <a:buNone/>
             </a:pPr>
             <a:r>
-              <a:rPr lang="en-US" sz="2000" dirty="0" smtClean="0">
+              <a:rPr lang="en-US" sz="2000" dirty="0">
                 <a:latin typeface="Courier New" panose="02070309020205020404" pitchFamily="49" charset="0"/>
                 <a:cs typeface="Courier New" panose="02070309020205020404" pitchFamily="49" charset="0"/>
               </a:rPr>
               <a:t>if (</a:t>
             </a:r>
             <a:r>
-              <a:rPr lang="en-US" sz="2000" i="1" dirty="0" smtClean="0">
+              <a:rPr lang="en-US" sz="2000" i="1" dirty="0">
                 <a:latin typeface="Courier New" panose="02070309020205020404" pitchFamily="49" charset="0"/>
                 <a:cs typeface="Courier New" panose="02070309020205020404" pitchFamily="49" charset="0"/>
               </a:rPr>
               <a:t>Conditional Statement</a:t>
             </a:r>
             <a:r>
-              <a:rPr lang="en-US" sz="2000" dirty="0" smtClean="0">
+              <a:rPr lang="en-US" sz="2000" dirty="0">
                 <a:latin typeface="Courier New" panose="02070309020205020404" pitchFamily="49" charset="0"/>
                 <a:cs typeface="Courier New" panose="02070309020205020404" pitchFamily="49" charset="0"/>
               </a:rPr>
-              <a:t>){</a:t>
+              <a:t>)</a:t>
             </a:r>
           </a:p>
           <a:p>
@@ -12064,7 +12033,19 @@
               <a:buNone/>
             </a:pPr>
             <a:r>
-              <a:rPr lang="en-US" sz="2000" dirty="0" smtClean="0">
+              <a:rPr lang="en-US" sz="2000" dirty="0">
+                <a:latin typeface="Courier New" panose="02070309020205020404" pitchFamily="49" charset="0"/>
+                <a:cs typeface="Courier New" panose="02070309020205020404" pitchFamily="49" charset="0"/>
+              </a:rPr>
+              <a:t>{ </a:t>
+            </a:r>
+          </a:p>
+          <a:p>
+            <a:pPr marL="0" lvl="0" indent="0">
+              <a:buNone/>
+            </a:pPr>
+            <a:r>
+              <a:rPr lang="en-US" sz="2000" dirty="0">
                 <a:latin typeface="Courier New" panose="02070309020205020404" pitchFamily="49" charset="0"/>
                 <a:cs typeface="Courier New" panose="02070309020205020404" pitchFamily="49" charset="0"/>
               </a:rPr>
@@ -12076,11 +12057,11 @@
               <a:buNone/>
             </a:pPr>
             <a:r>
-              <a:rPr lang="en-US" sz="2000" dirty="0" smtClean="0">
+              <a:rPr lang="en-US" sz="2000" dirty="0">
                 <a:latin typeface="Courier New" panose="02070309020205020404" pitchFamily="49" charset="0"/>
                 <a:cs typeface="Courier New" panose="02070309020205020404" pitchFamily="49" charset="0"/>
               </a:rPr>
-              <a:t>} // Choice to use the open brace on it’s own </a:t>
+              <a:t>} </a:t>
             </a:r>
           </a:p>
           <a:p>
@@ -12088,11 +12069,35 @@
               <a:buNone/>
             </a:pPr>
             <a:r>
-              <a:rPr lang="en-US" sz="2000" dirty="0" smtClean="0">
+              <a:rPr lang="en-US" sz="2000" dirty="0">
                 <a:latin typeface="Courier New" panose="02070309020205020404" pitchFamily="49" charset="0"/>
                 <a:cs typeface="Courier New" panose="02070309020205020404" pitchFamily="49" charset="0"/>
               </a:rPr>
-              <a:t>// line is a style choice. </a:t>
+              <a:t>else</a:t>
+            </a:r>
+          </a:p>
+          <a:p>
+            <a:pPr marL="0" lvl="0" indent="0">
+              <a:buNone/>
+            </a:pPr>
+            <a:r>
+              <a:rPr lang="en-US" sz="2000" dirty="0">
+                <a:latin typeface="Courier New" panose="02070309020205020404" pitchFamily="49" charset="0"/>
+                <a:cs typeface="Courier New" panose="02070309020205020404" pitchFamily="49" charset="0"/>
+              </a:rPr>
+              <a:t>{</a:t>
+            </a:r>
+          </a:p>
+          <a:p>
+            <a:pPr marL="0" indent="0">
+              <a:buNone/>
+            </a:pPr>
+            <a:r>
+              <a:rPr lang="en-US" sz="2000" dirty="0">
+                <a:latin typeface="Courier New" panose="02070309020205020404" pitchFamily="49" charset="0"/>
+                <a:cs typeface="Courier New" panose="02070309020205020404" pitchFamily="49" charset="0"/>
+              </a:rPr>
+              <a:t>	// If false do code here</a:t>
             </a:r>
           </a:p>
           <a:p>
@@ -12105,7 +12110,7 @@
             </a:endParaRPr>
           </a:p>
           <a:p>
-            <a:pPr marL="0" indent="0">
+            <a:pPr marL="0" lvl="0" indent="0">
               <a:buNone/>
             </a:pPr>
             <a:r>
@@ -12113,68 +12118,7 @@
                 <a:latin typeface="Courier New" panose="02070309020205020404" pitchFamily="49" charset="0"/>
                 <a:cs typeface="Courier New" panose="02070309020205020404" pitchFamily="49" charset="0"/>
               </a:rPr>
-              <a:t>if (</a:t>
-            </a:r>
-            <a:r>
-              <a:rPr lang="en-US" sz="2000" i="1" dirty="0">
-                <a:latin typeface="Courier New" panose="02070309020205020404" pitchFamily="49" charset="0"/>
-                <a:cs typeface="Courier New" panose="02070309020205020404" pitchFamily="49" charset="0"/>
-              </a:rPr>
-              <a:t>Conditional Statement</a:t>
-            </a:r>
-            <a:r>
-              <a:rPr lang="en-US" sz="2000" dirty="0" smtClean="0">
-                <a:latin typeface="Courier New" panose="02070309020205020404" pitchFamily="49" charset="0"/>
-                <a:cs typeface="Courier New" panose="02070309020205020404" pitchFamily="49" charset="0"/>
-              </a:rPr>
-              <a:t>)</a:t>
-            </a:r>
-          </a:p>
-          <a:p>
-            <a:pPr marL="0" indent="0">
-              <a:buNone/>
-            </a:pPr>
-            <a:r>
-              <a:rPr lang="en-US" sz="2000" dirty="0">
-                <a:latin typeface="Courier New" panose="02070309020205020404" pitchFamily="49" charset="0"/>
-                <a:cs typeface="Courier New" panose="02070309020205020404" pitchFamily="49" charset="0"/>
-              </a:rPr>
-              <a:t>	</a:t>
-            </a:r>
-            <a:r>
-              <a:rPr lang="en-US" sz="2000" dirty="0" smtClean="0">
-                <a:latin typeface="Courier New" panose="02070309020205020404" pitchFamily="49" charset="0"/>
-                <a:cs typeface="Courier New" panose="02070309020205020404" pitchFamily="49" charset="0"/>
-              </a:rPr>
-              <a:t>x++; </a:t>
-            </a:r>
-            <a:endParaRPr lang="en-US" sz="2000" dirty="0">
-              <a:latin typeface="Courier New" panose="02070309020205020404" pitchFamily="49" charset="0"/>
-              <a:cs typeface="Courier New" panose="02070309020205020404" pitchFamily="49" charset="0"/>
-            </a:endParaRPr>
-          </a:p>
-          <a:p>
-            <a:pPr marL="0" lvl="0" indent="0">
-              <a:buNone/>
-            </a:pPr>
-            <a:r>
-              <a:rPr lang="en-US" sz="2000" dirty="0" smtClean="0">
-                <a:latin typeface="Courier New" panose="02070309020205020404" pitchFamily="49" charset="0"/>
-                <a:cs typeface="Courier New" panose="02070309020205020404" pitchFamily="49" charset="0"/>
-              </a:rPr>
-              <a:t>	// Without { }, the next line of code </a:t>
-            </a:r>
-          </a:p>
-          <a:p>
-            <a:pPr marL="0" lvl="0" indent="0">
-              <a:buNone/>
-            </a:pPr>
-            <a:r>
-              <a:rPr lang="en-US" sz="2000" dirty="0" smtClean="0">
-                <a:latin typeface="Courier New" panose="02070309020205020404" pitchFamily="49" charset="0"/>
-                <a:cs typeface="Courier New" panose="02070309020205020404" pitchFamily="49" charset="0"/>
-              </a:rPr>
-              <a:t>	// will run if true. Use this form sparingly </a:t>
+              <a:t>} </a:t>
             </a:r>
           </a:p>
         </p:txBody>
@@ -12230,20 +12174,13 @@
     </p:spTree>
     <p:extLst>
       <p:ext uri="{BB962C8B-B14F-4D97-AF65-F5344CB8AC3E}">
-        <p14:creationId xmlns:p14="http://schemas.microsoft.com/office/powerpoint/2010/main" val="2833700990"/>
+        <p14:creationId xmlns:p14="http://schemas.microsoft.com/office/powerpoint/2010/main" val="419086964"/>
       </p:ext>
     </p:extLst>
   </p:cSld>
   <p:clrMapOvr>
     <a:masterClrMapping/>
   </p:clrMapOvr>
-  <p:timing>
-    <p:tnLst>
-      <p:par>
-        <p:cTn id="1" dur="indefinite" restart="never" nodeType="tmRoot"/>
-      </p:par>
-    </p:tnLst>
-  </p:timing>
 </p:sld>
 </file>
 
@@ -12293,8 +12230,8 @@
               <a:buSzPct val="25000"/>
             </a:pPr>
             <a:r>
-              <a:rPr lang="en-US" dirty="0" smtClean="0"/>
-              <a:t>if - else</a:t>
+              <a:rPr lang="en-US" dirty="0"/>
+              <a:t>if – if else - else</a:t>
             </a:r>
             <a:endParaRPr lang="en-US" sz="4400" b="0" i="0" u="none" strike="noStrike" cap="none" dirty="0">
               <a:solidFill>
@@ -12337,138 +12274,211 @@
               <a:buNone/>
             </a:pPr>
             <a:r>
-              <a:rPr lang="en-US" sz="2000" dirty="0" smtClean="0">
+              <a:rPr lang="en-US" sz="2000" dirty="0">
                 <a:latin typeface="Courier New" panose="02070309020205020404" pitchFamily="49" charset="0"/>
                 <a:cs typeface="Courier New" panose="02070309020205020404" pitchFamily="49" charset="0"/>
               </a:rPr>
-              <a:t>if (</a:t>
-            </a:r>
-            <a:r>
-              <a:rPr lang="en-US" sz="2000" i="1" dirty="0" smtClean="0">
+              <a:t>if (1</a:t>
+            </a:r>
+            <a:r>
+              <a:rPr lang="en-US" sz="2000" baseline="30000" dirty="0">
+                <a:latin typeface="Courier New" panose="02070309020205020404" pitchFamily="49" charset="0"/>
+                <a:cs typeface="Courier New" panose="02070309020205020404" pitchFamily="49" charset="0"/>
+              </a:rPr>
+              <a:t>st</a:t>
+            </a:r>
+            <a:r>
+              <a:rPr lang="en-US" sz="2000" dirty="0">
+                <a:latin typeface="Courier New" panose="02070309020205020404" pitchFamily="49" charset="0"/>
+                <a:cs typeface="Courier New" panose="02070309020205020404" pitchFamily="49" charset="0"/>
+              </a:rPr>
+              <a:t> </a:t>
+            </a:r>
+            <a:r>
+              <a:rPr lang="en-US" sz="2000" i="1" dirty="0">
                 <a:latin typeface="Courier New" panose="02070309020205020404" pitchFamily="49" charset="0"/>
                 <a:cs typeface="Courier New" panose="02070309020205020404" pitchFamily="49" charset="0"/>
               </a:rPr>
               <a:t>Conditional Statement</a:t>
             </a:r>
             <a:r>
-              <a:rPr lang="en-US" sz="2000" dirty="0" smtClean="0">
-                <a:latin typeface="Courier New" panose="02070309020205020404" pitchFamily="49" charset="0"/>
-                <a:cs typeface="Courier New" panose="02070309020205020404" pitchFamily="49" charset="0"/>
-              </a:rPr>
-              <a:t>)</a:t>
-            </a:r>
-          </a:p>
-          <a:p>
-            <a:pPr marL="0" lvl="0" indent="0">
-              <a:buNone/>
-            </a:pPr>
-            <a:r>
               <a:rPr lang="en-US" sz="2000" dirty="0">
                 <a:latin typeface="Courier New" panose="02070309020205020404" pitchFamily="49" charset="0"/>
                 <a:cs typeface="Courier New" panose="02070309020205020404" pitchFamily="49" charset="0"/>
               </a:rPr>
-              <a:t>{</a:t>
-            </a:r>
-            <a:r>
-              <a:rPr lang="en-US" sz="2000" dirty="0" smtClean="0">
+              <a:t>){ </a:t>
+            </a:r>
+          </a:p>
+          <a:p>
+            <a:pPr marL="0" lvl="0" indent="0">
+              <a:buNone/>
+            </a:pPr>
+            <a:r>
+              <a:rPr lang="en-US" sz="2000" dirty="0">
+                <a:latin typeface="Courier New" panose="02070309020205020404" pitchFamily="49" charset="0"/>
+                <a:cs typeface="Courier New" panose="02070309020205020404" pitchFamily="49" charset="0"/>
+              </a:rPr>
+              <a:t>	// If 1</a:t>
+            </a:r>
+            <a:r>
+              <a:rPr lang="en-US" sz="2000" baseline="30000" dirty="0">
+                <a:latin typeface="Courier New" panose="02070309020205020404" pitchFamily="49" charset="0"/>
+                <a:cs typeface="Courier New" panose="02070309020205020404" pitchFamily="49" charset="0"/>
+              </a:rPr>
+              <a:t>st</a:t>
+            </a:r>
+            <a:r>
+              <a:rPr lang="en-US" sz="2000" dirty="0">
+                <a:latin typeface="Courier New" panose="02070309020205020404" pitchFamily="49" charset="0"/>
+                <a:cs typeface="Courier New" panose="02070309020205020404" pitchFamily="49" charset="0"/>
+              </a:rPr>
+              <a:t> is true do code here</a:t>
+            </a:r>
+          </a:p>
+          <a:p>
+            <a:pPr marL="0" lvl="0" indent="0">
+              <a:buNone/>
+            </a:pPr>
+            <a:r>
+              <a:rPr lang="en-US" sz="2000" dirty="0">
+                <a:latin typeface="Courier New" panose="02070309020205020404" pitchFamily="49" charset="0"/>
+                <a:cs typeface="Courier New" panose="02070309020205020404" pitchFamily="49" charset="0"/>
+              </a:rPr>
+              <a:t>	// no more checks</a:t>
+            </a:r>
+          </a:p>
+          <a:p>
+            <a:pPr marL="0" lvl="0" indent="0">
+              <a:buNone/>
+            </a:pPr>
+            <a:r>
+              <a:rPr lang="en-US" sz="2000" dirty="0">
+                <a:latin typeface="Courier New" panose="02070309020205020404" pitchFamily="49" charset="0"/>
+                <a:cs typeface="Courier New" panose="02070309020205020404" pitchFamily="49" charset="0"/>
+              </a:rPr>
+              <a:t>} if else (2</a:t>
+            </a:r>
+            <a:r>
+              <a:rPr lang="en-US" sz="2000" baseline="30000" dirty="0">
+                <a:latin typeface="Courier New" panose="02070309020205020404" pitchFamily="49" charset="0"/>
+                <a:cs typeface="Courier New" panose="02070309020205020404" pitchFamily="49" charset="0"/>
+              </a:rPr>
+              <a:t>nd</a:t>
+            </a:r>
+            <a:r>
+              <a:rPr lang="en-US" sz="2000" dirty="0">
                 <a:latin typeface="Courier New" panose="02070309020205020404" pitchFamily="49" charset="0"/>
                 <a:cs typeface="Courier New" panose="02070309020205020404" pitchFamily="49" charset="0"/>
               </a:rPr>
               <a:t> </a:t>
             </a:r>
-          </a:p>
-          <a:p>
-            <a:pPr marL="0" lvl="0" indent="0">
-              <a:buNone/>
-            </a:pPr>
-            <a:r>
-              <a:rPr lang="en-US" sz="2000" dirty="0" smtClean="0">
+            <a:r>
+              <a:rPr lang="en-US" sz="2000" i="1" dirty="0">
                 <a:latin typeface="Courier New" panose="02070309020205020404" pitchFamily="49" charset="0"/>
                 <a:cs typeface="Courier New" panose="02070309020205020404" pitchFamily="49" charset="0"/>
               </a:rPr>
-              <a:t>	// If true do code here</a:t>
-            </a:r>
-          </a:p>
-          <a:p>
-            <a:pPr marL="0" lvl="0" indent="0">
-              <a:buNone/>
-            </a:pPr>
-            <a:r>
-              <a:rPr lang="en-US" sz="2000" dirty="0" smtClean="0">
-                <a:latin typeface="Courier New" panose="02070309020205020404" pitchFamily="49" charset="0"/>
-                <a:cs typeface="Courier New" panose="02070309020205020404" pitchFamily="49" charset="0"/>
-              </a:rPr>
-              <a:t>} </a:t>
-            </a:r>
-          </a:p>
-          <a:p>
-            <a:pPr marL="0" lvl="0" indent="0">
-              <a:buNone/>
-            </a:pPr>
-            <a:r>
-              <a:rPr lang="en-US" sz="2000" dirty="0" smtClean="0">
-                <a:latin typeface="Courier New" panose="02070309020205020404" pitchFamily="49" charset="0"/>
-                <a:cs typeface="Courier New" panose="02070309020205020404" pitchFamily="49" charset="0"/>
-              </a:rPr>
-              <a:t>else</a:t>
-            </a:r>
-          </a:p>
-          <a:p>
-            <a:pPr marL="0" lvl="0" indent="0">
-              <a:buNone/>
-            </a:pPr>
-            <a:r>
-              <a:rPr lang="en-US" sz="2000" dirty="0" smtClean="0">
-                <a:latin typeface="Courier New" panose="02070309020205020404" pitchFamily="49" charset="0"/>
-                <a:cs typeface="Courier New" panose="02070309020205020404" pitchFamily="49" charset="0"/>
-              </a:rPr>
-              <a:t>{</a:t>
-            </a:r>
-          </a:p>
-          <a:p>
-            <a:pPr marL="0" indent="0">
-              <a:buNone/>
-            </a:pPr>
-            <a:r>
-              <a:rPr lang="en-US" sz="2000" dirty="0" smtClean="0">
-                <a:latin typeface="Courier New" panose="02070309020205020404" pitchFamily="49" charset="0"/>
-                <a:cs typeface="Courier New" panose="02070309020205020404" pitchFamily="49" charset="0"/>
-              </a:rPr>
-              <a:t>	</a:t>
+              <a:t>Conditional Statement</a:t>
             </a:r>
             <a:r>
               <a:rPr lang="en-US" sz="2000" dirty="0">
                 <a:latin typeface="Courier New" panose="02070309020205020404" pitchFamily="49" charset="0"/>
                 <a:cs typeface="Courier New" panose="02070309020205020404" pitchFamily="49" charset="0"/>
               </a:rPr>
-              <a:t>// If </a:t>
-            </a:r>
-            <a:r>
-              <a:rPr lang="en-US" sz="2000" dirty="0" smtClean="0">
-                <a:latin typeface="Courier New" panose="02070309020205020404" pitchFamily="49" charset="0"/>
-                <a:cs typeface="Courier New" panose="02070309020205020404" pitchFamily="49" charset="0"/>
-              </a:rPr>
-              <a:t>false do </a:t>
-            </a:r>
+              <a:t>) { </a:t>
+            </a:r>
+          </a:p>
+          <a:p>
+            <a:pPr marL="0" lvl="0" indent="0">
+              <a:buNone/>
+            </a:pPr>
             <a:r>
               <a:rPr lang="en-US" sz="2000" dirty="0">
                 <a:latin typeface="Courier New" panose="02070309020205020404" pitchFamily="49" charset="0"/>
                 <a:cs typeface="Courier New" panose="02070309020205020404" pitchFamily="49" charset="0"/>
               </a:rPr>
-              <a:t>code here</a:t>
+              <a:t>	 // If 1</a:t>
+            </a:r>
+            <a:r>
+              <a:rPr lang="en-US" sz="2000" baseline="30000" dirty="0">
+                <a:latin typeface="Courier New" panose="02070309020205020404" pitchFamily="49" charset="0"/>
+                <a:cs typeface="Courier New" panose="02070309020205020404" pitchFamily="49" charset="0"/>
+              </a:rPr>
+              <a:t>st</a:t>
+            </a:r>
+            <a:r>
+              <a:rPr lang="en-US" sz="2000" dirty="0">
+                <a:latin typeface="Courier New" panose="02070309020205020404" pitchFamily="49" charset="0"/>
+                <a:cs typeface="Courier New" panose="02070309020205020404" pitchFamily="49" charset="0"/>
+              </a:rPr>
+              <a:t> is false, but 2</a:t>
+            </a:r>
+            <a:r>
+              <a:rPr lang="en-US" sz="2000" baseline="30000" dirty="0">
+                <a:latin typeface="Courier New" panose="02070309020205020404" pitchFamily="49" charset="0"/>
+                <a:cs typeface="Courier New" panose="02070309020205020404" pitchFamily="49" charset="0"/>
+              </a:rPr>
+              <a:t>st</a:t>
+            </a:r>
+            <a:r>
+              <a:rPr lang="en-US" sz="2000" dirty="0">
+                <a:latin typeface="Courier New" panose="02070309020205020404" pitchFamily="49" charset="0"/>
+                <a:cs typeface="Courier New" panose="02070309020205020404" pitchFamily="49" charset="0"/>
+              </a:rPr>
+              <a:t> is true </a:t>
             </a:r>
           </a:p>
           <a:p>
             <a:pPr marL="0" lvl="0" indent="0">
               <a:buNone/>
             </a:pPr>
-            <a:endParaRPr lang="en-US" sz="2000" dirty="0" smtClean="0">
-              <a:latin typeface="Courier New" panose="02070309020205020404" pitchFamily="49" charset="0"/>
-              <a:cs typeface="Courier New" panose="02070309020205020404" pitchFamily="49" charset="0"/>
-            </a:endParaRPr>
+            <a:r>
+              <a:rPr lang="en-US" sz="2000" dirty="0">
+                <a:latin typeface="Courier New" panose="02070309020205020404" pitchFamily="49" charset="0"/>
+                <a:cs typeface="Courier New" panose="02070309020205020404" pitchFamily="49" charset="0"/>
+              </a:rPr>
+              <a:t>	// do code here, no more checks </a:t>
+            </a:r>
           </a:p>
           <a:p>
             <a:pPr marL="0" lvl="0" indent="0">
+              <a:buNone/>
+            </a:pPr>
+            <a:r>
+              <a:rPr lang="en-US" sz="2000" dirty="0">
+                <a:latin typeface="Courier New" panose="02070309020205020404" pitchFamily="49" charset="0"/>
+                <a:cs typeface="Courier New" panose="02070309020205020404" pitchFamily="49" charset="0"/>
+              </a:rPr>
+              <a:t>} else {</a:t>
+            </a:r>
+          </a:p>
+          <a:p>
+            <a:pPr marL="0" indent="0">
+              <a:buNone/>
+            </a:pPr>
+            <a:r>
+              <a:rPr lang="en-US" sz="2000" dirty="0">
+                <a:latin typeface="Courier New" panose="02070309020205020404" pitchFamily="49" charset="0"/>
+                <a:cs typeface="Courier New" panose="02070309020205020404" pitchFamily="49" charset="0"/>
+              </a:rPr>
+              <a:t>	// If 2</a:t>
+            </a:r>
+            <a:r>
+              <a:rPr lang="en-US" sz="2000" baseline="30000" dirty="0">
+                <a:latin typeface="Courier New" panose="02070309020205020404" pitchFamily="49" charset="0"/>
+                <a:cs typeface="Courier New" panose="02070309020205020404" pitchFamily="49" charset="0"/>
+              </a:rPr>
+              <a:t>nd</a:t>
+            </a:r>
+            <a:r>
+              <a:rPr lang="en-US" sz="2000" dirty="0">
+                <a:latin typeface="Courier New" panose="02070309020205020404" pitchFamily="49" charset="0"/>
+                <a:cs typeface="Courier New" panose="02070309020205020404" pitchFamily="49" charset="0"/>
+              </a:rPr>
+              <a:t> is false</a:t>
+            </a:r>
+          </a:p>
+          <a:p>
+            <a:pPr marL="0" indent="0">
               <a:buNone/>
             </a:pPr>
             <a:r>
@@ -12478,12 +12488,26 @@
               </a:rPr>
               <a:t>}</a:t>
             </a:r>
-            <a:r>
-              <a:rPr lang="en-US" sz="2000" dirty="0" smtClean="0">
+          </a:p>
+          <a:p>
+            <a:pPr marL="0" lvl="0" indent="0">
+              <a:buNone/>
+            </a:pPr>
+            <a:endParaRPr lang="en-US" sz="2000" dirty="0">
+              <a:latin typeface="Courier New" panose="02070309020205020404" pitchFamily="49" charset="0"/>
+              <a:cs typeface="Courier New" panose="02070309020205020404" pitchFamily="49" charset="0"/>
+            </a:endParaRPr>
+          </a:p>
+          <a:p>
+            <a:pPr marL="0" lvl="0" indent="0">
+              <a:buNone/>
+            </a:pPr>
+            <a:r>
+              <a:rPr lang="en-US" sz="2000" dirty="0">
                 <a:latin typeface="Courier New" panose="02070309020205020404" pitchFamily="49" charset="0"/>
                 <a:cs typeface="Courier New" panose="02070309020205020404" pitchFamily="49" charset="0"/>
               </a:rPr>
-              <a:t> </a:t>
+              <a:t>} </a:t>
             </a:r>
           </a:p>
         </p:txBody>
@@ -12539,487 +12563,6 @@
     </p:spTree>
     <p:extLst>
       <p:ext uri="{BB962C8B-B14F-4D97-AF65-F5344CB8AC3E}">
-        <p14:creationId xmlns:p14="http://schemas.microsoft.com/office/powerpoint/2010/main" val="419086964"/>
-      </p:ext>
-    </p:extLst>
-  </p:cSld>
-  <p:clrMapOvr>
-    <a:masterClrMapping/>
-  </p:clrMapOvr>
-  <p:timing>
-    <p:tnLst>
-      <p:par>
-        <p:cTn id="1" dur="indefinite" restart="never" nodeType="tmRoot"/>
-      </p:par>
-    </p:tnLst>
-  </p:timing>
-</p:sld>
-</file>
-
-<file path=ppt/slides/slide9.xml><?xml version="1.0" encoding="utf-8"?>
-<p:sld xmlns:a="http://schemas.openxmlformats.org/drawingml/2006/main" xmlns:r="http://schemas.openxmlformats.org/officeDocument/2006/relationships" xmlns:p="http://schemas.openxmlformats.org/presentationml/2006/main">
-  <p:cSld>
-    <p:spTree>
-      <p:nvGrpSpPr>
-        <p:cNvPr id="1" name="Shape 128"/>
-        <p:cNvGrpSpPr/>
-        <p:nvPr/>
-      </p:nvGrpSpPr>
-      <p:grpSpPr>
-        <a:xfrm>
-          <a:off x="0" y="0"/>
-          <a:ext cx="0" cy="0"/>
-          <a:chOff x="0" y="0"/>
-          <a:chExt cx="0" cy="0"/>
-        </a:xfrm>
-      </p:grpSpPr>
-      <p:sp>
-        <p:nvSpPr>
-          <p:cNvPr id="129" name="Shape 129"/>
-          <p:cNvSpPr txBox="1">
-            <a:spLocks noGrp="1"/>
-          </p:cNvSpPr>
-          <p:nvPr>
-            <p:ph type="title"/>
-          </p:nvPr>
-        </p:nvSpPr>
-        <p:spPr>
-          <a:prstGeom prst="rect">
-            <a:avLst/>
-          </a:prstGeom>
-          <a:noFill/>
-          <a:ln>
-            <a:noFill/>
-          </a:ln>
-        </p:spPr>
-        <p:txBody>
-          <a:bodyPr lIns="91425" tIns="45700" rIns="91425" bIns="45700" anchor="ctr" anchorCtr="0">
-            <a:noAutofit/>
-          </a:bodyPr>
-          <a:lstStyle/>
-          <a:p>
-            <a:pPr lvl="0">
-              <a:buSzPct val="25000"/>
-            </a:pPr>
-            <a:r>
-              <a:rPr lang="en-US" dirty="0" smtClean="0"/>
-              <a:t>if – if else - else</a:t>
-            </a:r>
-            <a:endParaRPr lang="en-US" sz="4400" b="0" i="0" u="none" strike="noStrike" cap="none" dirty="0">
-              <a:solidFill>
-                <a:schemeClr val="dk1"/>
-              </a:solidFill>
-              <a:latin typeface="Calibri"/>
-              <a:ea typeface="Calibri"/>
-              <a:cs typeface="Calibri"/>
-              <a:sym typeface="Calibri"/>
-            </a:endParaRPr>
-          </a:p>
-        </p:txBody>
-      </p:sp>
-      <p:sp>
-        <p:nvSpPr>
-          <p:cNvPr id="130" name="Shape 130"/>
-          <p:cNvSpPr txBox="1">
-            <a:spLocks noGrp="1"/>
-          </p:cNvSpPr>
-          <p:nvPr>
-            <p:ph type="body" idx="1"/>
-          </p:nvPr>
-        </p:nvSpPr>
-        <p:spPr>
-          <a:prstGeom prst="rect">
-            <a:avLst/>
-          </a:prstGeom>
-          <a:noFill/>
-          <a:ln>
-            <a:noFill/>
-          </a:ln>
-        </p:spPr>
-        <p:txBody>
-          <a:bodyPr lIns="91425" tIns="45700" rIns="91425" bIns="45700" anchor="t" anchorCtr="0">
-            <a:noAutofit/>
-          </a:bodyPr>
-          <a:lstStyle/>
-          <a:p>
-            <a:pPr marL="0" lvl="0" indent="0">
-              <a:buNone/>
-            </a:pPr>
-            <a:r>
-              <a:rPr lang="en-US" sz="2000" dirty="0" smtClean="0">
-                <a:latin typeface="Courier New" panose="02070309020205020404" pitchFamily="49" charset="0"/>
-                <a:cs typeface="Courier New" panose="02070309020205020404" pitchFamily="49" charset="0"/>
-              </a:rPr>
-              <a:t>if (1</a:t>
-            </a:r>
-            <a:r>
-              <a:rPr lang="en-US" sz="2000" baseline="30000" dirty="0" smtClean="0">
-                <a:latin typeface="Courier New" panose="02070309020205020404" pitchFamily="49" charset="0"/>
-                <a:cs typeface="Courier New" panose="02070309020205020404" pitchFamily="49" charset="0"/>
-              </a:rPr>
-              <a:t>st</a:t>
-            </a:r>
-            <a:r>
-              <a:rPr lang="en-US" sz="2000" dirty="0" smtClean="0">
-                <a:latin typeface="Courier New" panose="02070309020205020404" pitchFamily="49" charset="0"/>
-                <a:cs typeface="Courier New" panose="02070309020205020404" pitchFamily="49" charset="0"/>
-              </a:rPr>
-              <a:t> </a:t>
-            </a:r>
-            <a:r>
-              <a:rPr lang="en-US" sz="2000" i="1" dirty="0" smtClean="0">
-                <a:latin typeface="Courier New" panose="02070309020205020404" pitchFamily="49" charset="0"/>
-                <a:cs typeface="Courier New" panose="02070309020205020404" pitchFamily="49" charset="0"/>
-              </a:rPr>
-              <a:t>Conditional Statement</a:t>
-            </a:r>
-            <a:r>
-              <a:rPr lang="en-US" sz="2000" dirty="0" smtClean="0">
-                <a:latin typeface="Courier New" panose="02070309020205020404" pitchFamily="49" charset="0"/>
-                <a:cs typeface="Courier New" panose="02070309020205020404" pitchFamily="49" charset="0"/>
-              </a:rPr>
-              <a:t>){ </a:t>
-            </a:r>
-          </a:p>
-          <a:p>
-            <a:pPr marL="0" lvl="0" indent="0">
-              <a:buNone/>
-            </a:pPr>
-            <a:r>
-              <a:rPr lang="en-US" sz="2000" dirty="0" smtClean="0">
-                <a:latin typeface="Courier New" panose="02070309020205020404" pitchFamily="49" charset="0"/>
-                <a:cs typeface="Courier New" panose="02070309020205020404" pitchFamily="49" charset="0"/>
-              </a:rPr>
-              <a:t>	// If 1</a:t>
-            </a:r>
-            <a:r>
-              <a:rPr lang="en-US" sz="2000" baseline="30000" dirty="0" smtClean="0">
-                <a:latin typeface="Courier New" panose="02070309020205020404" pitchFamily="49" charset="0"/>
-                <a:cs typeface="Courier New" panose="02070309020205020404" pitchFamily="49" charset="0"/>
-              </a:rPr>
-              <a:t>st</a:t>
-            </a:r>
-            <a:r>
-              <a:rPr lang="en-US" sz="2000" dirty="0" smtClean="0">
-                <a:latin typeface="Courier New" panose="02070309020205020404" pitchFamily="49" charset="0"/>
-                <a:cs typeface="Courier New" panose="02070309020205020404" pitchFamily="49" charset="0"/>
-              </a:rPr>
-              <a:t> is true do code here</a:t>
-            </a:r>
-          </a:p>
-          <a:p>
-            <a:pPr marL="0" lvl="0" indent="0">
-              <a:buNone/>
-            </a:pPr>
-            <a:r>
-              <a:rPr lang="en-US" sz="2000" dirty="0">
-                <a:latin typeface="Courier New" panose="02070309020205020404" pitchFamily="49" charset="0"/>
-                <a:cs typeface="Courier New" panose="02070309020205020404" pitchFamily="49" charset="0"/>
-              </a:rPr>
-              <a:t>	</a:t>
-            </a:r>
-            <a:r>
-              <a:rPr lang="en-US" sz="2000" dirty="0" smtClean="0">
-                <a:latin typeface="Courier New" panose="02070309020205020404" pitchFamily="49" charset="0"/>
-                <a:cs typeface="Courier New" panose="02070309020205020404" pitchFamily="49" charset="0"/>
-              </a:rPr>
-              <a:t>// no more checks</a:t>
-            </a:r>
-          </a:p>
-          <a:p>
-            <a:pPr marL="0" lvl="0" indent="0">
-              <a:buNone/>
-            </a:pPr>
-            <a:r>
-              <a:rPr lang="en-US" sz="2000" dirty="0" smtClean="0">
-                <a:latin typeface="Courier New" panose="02070309020205020404" pitchFamily="49" charset="0"/>
-                <a:cs typeface="Courier New" panose="02070309020205020404" pitchFamily="49" charset="0"/>
-              </a:rPr>
-              <a:t>} if else (2</a:t>
-            </a:r>
-            <a:r>
-              <a:rPr lang="en-US" sz="2000" baseline="30000" dirty="0" smtClean="0">
-                <a:latin typeface="Courier New" panose="02070309020205020404" pitchFamily="49" charset="0"/>
-                <a:cs typeface="Courier New" panose="02070309020205020404" pitchFamily="49" charset="0"/>
-              </a:rPr>
-              <a:t>nd</a:t>
-            </a:r>
-            <a:r>
-              <a:rPr lang="en-US" sz="2000" dirty="0" smtClean="0">
-                <a:latin typeface="Courier New" panose="02070309020205020404" pitchFamily="49" charset="0"/>
-                <a:cs typeface="Courier New" panose="02070309020205020404" pitchFamily="49" charset="0"/>
-              </a:rPr>
-              <a:t> </a:t>
-            </a:r>
-            <a:r>
-              <a:rPr lang="en-US" sz="2000" i="1" dirty="0" smtClean="0">
-                <a:latin typeface="Courier New" panose="02070309020205020404" pitchFamily="49" charset="0"/>
-                <a:cs typeface="Courier New" panose="02070309020205020404" pitchFamily="49" charset="0"/>
-              </a:rPr>
-              <a:t>Conditional </a:t>
-            </a:r>
-            <a:r>
-              <a:rPr lang="en-US" sz="2000" i="1" dirty="0">
-                <a:latin typeface="Courier New" panose="02070309020205020404" pitchFamily="49" charset="0"/>
-                <a:cs typeface="Courier New" panose="02070309020205020404" pitchFamily="49" charset="0"/>
-              </a:rPr>
-              <a:t>Statement</a:t>
-            </a:r>
-            <a:r>
-              <a:rPr lang="en-US" sz="2000" dirty="0" smtClean="0">
-                <a:latin typeface="Courier New" panose="02070309020205020404" pitchFamily="49" charset="0"/>
-                <a:cs typeface="Courier New" panose="02070309020205020404" pitchFamily="49" charset="0"/>
-              </a:rPr>
-              <a:t>) { </a:t>
-            </a:r>
-          </a:p>
-          <a:p>
-            <a:pPr marL="0" lvl="0" indent="0">
-              <a:buNone/>
-            </a:pPr>
-            <a:r>
-              <a:rPr lang="en-US" sz="2000" dirty="0">
-                <a:latin typeface="Courier New" panose="02070309020205020404" pitchFamily="49" charset="0"/>
-                <a:cs typeface="Courier New" panose="02070309020205020404" pitchFamily="49" charset="0"/>
-              </a:rPr>
-              <a:t>	 // If </a:t>
-            </a:r>
-            <a:r>
-              <a:rPr lang="en-US" sz="2000" dirty="0" smtClean="0">
-                <a:latin typeface="Courier New" panose="02070309020205020404" pitchFamily="49" charset="0"/>
-                <a:cs typeface="Courier New" panose="02070309020205020404" pitchFamily="49" charset="0"/>
-              </a:rPr>
-              <a:t>1</a:t>
-            </a:r>
-            <a:r>
-              <a:rPr lang="en-US" sz="2000" baseline="30000" dirty="0" smtClean="0">
-                <a:latin typeface="Courier New" panose="02070309020205020404" pitchFamily="49" charset="0"/>
-                <a:cs typeface="Courier New" panose="02070309020205020404" pitchFamily="49" charset="0"/>
-              </a:rPr>
-              <a:t>st</a:t>
-            </a:r>
-            <a:r>
-              <a:rPr lang="en-US" sz="2000" dirty="0" smtClean="0">
-                <a:latin typeface="Courier New" panose="02070309020205020404" pitchFamily="49" charset="0"/>
-                <a:cs typeface="Courier New" panose="02070309020205020404" pitchFamily="49" charset="0"/>
-              </a:rPr>
-              <a:t> is false, but 2</a:t>
-            </a:r>
-            <a:r>
-              <a:rPr lang="en-US" sz="2000" baseline="30000" dirty="0" smtClean="0">
-                <a:latin typeface="Courier New" panose="02070309020205020404" pitchFamily="49" charset="0"/>
-                <a:cs typeface="Courier New" panose="02070309020205020404" pitchFamily="49" charset="0"/>
-              </a:rPr>
-              <a:t>st</a:t>
-            </a:r>
-            <a:r>
-              <a:rPr lang="en-US" sz="2000" dirty="0" smtClean="0">
-                <a:latin typeface="Courier New" panose="02070309020205020404" pitchFamily="49" charset="0"/>
-                <a:cs typeface="Courier New" panose="02070309020205020404" pitchFamily="49" charset="0"/>
-              </a:rPr>
-              <a:t> </a:t>
-            </a:r>
-            <a:r>
-              <a:rPr lang="en-US" sz="2000" dirty="0">
-                <a:latin typeface="Courier New" panose="02070309020205020404" pitchFamily="49" charset="0"/>
-                <a:cs typeface="Courier New" panose="02070309020205020404" pitchFamily="49" charset="0"/>
-              </a:rPr>
-              <a:t>is true </a:t>
-            </a:r>
-            <a:endParaRPr lang="en-US" sz="2000" dirty="0" smtClean="0">
-              <a:latin typeface="Courier New" panose="02070309020205020404" pitchFamily="49" charset="0"/>
-              <a:cs typeface="Courier New" panose="02070309020205020404" pitchFamily="49" charset="0"/>
-            </a:endParaRPr>
-          </a:p>
-          <a:p>
-            <a:pPr marL="0" lvl="0" indent="0">
-              <a:buNone/>
-            </a:pPr>
-            <a:r>
-              <a:rPr lang="en-US" sz="2000" dirty="0" smtClean="0">
-                <a:latin typeface="Courier New" panose="02070309020205020404" pitchFamily="49" charset="0"/>
-                <a:cs typeface="Courier New" panose="02070309020205020404" pitchFamily="49" charset="0"/>
-              </a:rPr>
-              <a:t>	// do </a:t>
-            </a:r>
-            <a:r>
-              <a:rPr lang="en-US" sz="2000" dirty="0">
-                <a:latin typeface="Courier New" panose="02070309020205020404" pitchFamily="49" charset="0"/>
-                <a:cs typeface="Courier New" panose="02070309020205020404" pitchFamily="49" charset="0"/>
-              </a:rPr>
-              <a:t>code </a:t>
-            </a:r>
-            <a:r>
-              <a:rPr lang="en-US" sz="2000" dirty="0" smtClean="0">
-                <a:latin typeface="Courier New" panose="02070309020205020404" pitchFamily="49" charset="0"/>
-                <a:cs typeface="Courier New" panose="02070309020205020404" pitchFamily="49" charset="0"/>
-              </a:rPr>
-              <a:t>here, </a:t>
-            </a:r>
-            <a:r>
-              <a:rPr lang="en-US" sz="2000" dirty="0">
-                <a:latin typeface="Courier New" panose="02070309020205020404" pitchFamily="49" charset="0"/>
-                <a:cs typeface="Courier New" panose="02070309020205020404" pitchFamily="49" charset="0"/>
-              </a:rPr>
-              <a:t>no more checks </a:t>
-            </a:r>
-            <a:endParaRPr lang="en-US" sz="2000" dirty="0" smtClean="0">
-              <a:latin typeface="Courier New" panose="02070309020205020404" pitchFamily="49" charset="0"/>
-              <a:cs typeface="Courier New" panose="02070309020205020404" pitchFamily="49" charset="0"/>
-            </a:endParaRPr>
-          </a:p>
-          <a:p>
-            <a:pPr marL="0" lvl="0" indent="0">
-              <a:buNone/>
-            </a:pPr>
-            <a:r>
-              <a:rPr lang="en-US" sz="2000" dirty="0">
-                <a:latin typeface="Courier New" panose="02070309020205020404" pitchFamily="49" charset="0"/>
-                <a:cs typeface="Courier New" panose="02070309020205020404" pitchFamily="49" charset="0"/>
-              </a:rPr>
-              <a:t>}</a:t>
-            </a:r>
-            <a:r>
-              <a:rPr lang="en-US" sz="2000" dirty="0" smtClean="0">
-                <a:latin typeface="Courier New" panose="02070309020205020404" pitchFamily="49" charset="0"/>
-                <a:cs typeface="Courier New" panose="02070309020205020404" pitchFamily="49" charset="0"/>
-              </a:rPr>
-              <a:t> else {</a:t>
-            </a:r>
-          </a:p>
-          <a:p>
-            <a:pPr marL="0" indent="0">
-              <a:buNone/>
-            </a:pPr>
-            <a:r>
-              <a:rPr lang="en-US" sz="2000" dirty="0" smtClean="0">
-                <a:latin typeface="Courier New" panose="02070309020205020404" pitchFamily="49" charset="0"/>
-                <a:cs typeface="Courier New" panose="02070309020205020404" pitchFamily="49" charset="0"/>
-              </a:rPr>
-              <a:t>	</a:t>
-            </a:r>
-            <a:r>
-              <a:rPr lang="en-US" sz="2000" dirty="0">
-                <a:latin typeface="Courier New" panose="02070309020205020404" pitchFamily="49" charset="0"/>
-                <a:cs typeface="Courier New" panose="02070309020205020404" pitchFamily="49" charset="0"/>
-              </a:rPr>
-              <a:t>// </a:t>
-            </a:r>
-            <a:r>
-              <a:rPr lang="en-US" sz="2000" dirty="0" smtClean="0">
-                <a:latin typeface="Courier New" panose="02070309020205020404" pitchFamily="49" charset="0"/>
-                <a:cs typeface="Courier New" panose="02070309020205020404" pitchFamily="49" charset="0"/>
-              </a:rPr>
-              <a:t>If 2</a:t>
-            </a:r>
-            <a:r>
-              <a:rPr lang="en-US" sz="2000" baseline="30000" dirty="0" smtClean="0">
-                <a:latin typeface="Courier New" panose="02070309020205020404" pitchFamily="49" charset="0"/>
-                <a:cs typeface="Courier New" panose="02070309020205020404" pitchFamily="49" charset="0"/>
-              </a:rPr>
-              <a:t>nd</a:t>
-            </a:r>
-            <a:r>
-              <a:rPr lang="en-US" sz="2000" dirty="0" smtClean="0">
-                <a:latin typeface="Courier New" panose="02070309020205020404" pitchFamily="49" charset="0"/>
-                <a:cs typeface="Courier New" panose="02070309020205020404" pitchFamily="49" charset="0"/>
-              </a:rPr>
-              <a:t> is false</a:t>
-            </a:r>
-          </a:p>
-          <a:p>
-            <a:pPr marL="0" indent="0">
-              <a:buNone/>
-            </a:pPr>
-            <a:r>
-              <a:rPr lang="en-US" sz="2000" dirty="0">
-                <a:latin typeface="Courier New" panose="02070309020205020404" pitchFamily="49" charset="0"/>
-                <a:cs typeface="Courier New" panose="02070309020205020404" pitchFamily="49" charset="0"/>
-              </a:rPr>
-              <a:t>}</a:t>
-            </a:r>
-          </a:p>
-          <a:p>
-            <a:pPr marL="0" lvl="0" indent="0">
-              <a:buNone/>
-            </a:pPr>
-            <a:endParaRPr lang="en-US" sz="2000" dirty="0" smtClean="0">
-              <a:latin typeface="Courier New" panose="02070309020205020404" pitchFamily="49" charset="0"/>
-              <a:cs typeface="Courier New" panose="02070309020205020404" pitchFamily="49" charset="0"/>
-            </a:endParaRPr>
-          </a:p>
-          <a:p>
-            <a:pPr marL="0" lvl="0" indent="0">
-              <a:buNone/>
-            </a:pPr>
-            <a:r>
-              <a:rPr lang="en-US" sz="2000" dirty="0">
-                <a:latin typeface="Courier New" panose="02070309020205020404" pitchFamily="49" charset="0"/>
-                <a:cs typeface="Courier New" panose="02070309020205020404" pitchFamily="49" charset="0"/>
-              </a:rPr>
-              <a:t>}</a:t>
-            </a:r>
-            <a:r>
-              <a:rPr lang="en-US" sz="2000" dirty="0" smtClean="0">
-                <a:latin typeface="Courier New" panose="02070309020205020404" pitchFamily="49" charset="0"/>
-                <a:cs typeface="Courier New" panose="02070309020205020404" pitchFamily="49" charset="0"/>
-              </a:rPr>
-              <a:t> </a:t>
-            </a:r>
-          </a:p>
-        </p:txBody>
-      </p:sp>
-      <p:sp>
-        <p:nvSpPr>
-          <p:cNvPr id="131" name="Shape 131"/>
-          <p:cNvSpPr txBox="1">
-            <a:spLocks noGrp="1"/>
-          </p:cNvSpPr>
-          <p:nvPr>
-            <p:ph type="body" idx="2"/>
-          </p:nvPr>
-        </p:nvSpPr>
-        <p:spPr>
-          <a:prstGeom prst="rect">
-            <a:avLst/>
-          </a:prstGeom>
-          <a:noFill/>
-          <a:ln>
-            <a:noFill/>
-          </a:ln>
-        </p:spPr>
-        <p:txBody>
-          <a:bodyPr lIns="91425" tIns="45700" rIns="91425" bIns="45700" anchor="t" anchorCtr="0">
-            <a:noAutofit/>
-          </a:bodyPr>
-          <a:lstStyle/>
-          <a:p>
-            <a:pPr marL="0" marR="0" lvl="0" indent="0" algn="ctr" rtl="0">
-              <a:spcBef>
-                <a:spcPts val="0"/>
-              </a:spcBef>
-              <a:buClr>
-                <a:schemeClr val="dk1"/>
-              </a:buClr>
-              <a:buSzPct val="25000"/>
-              <a:buFont typeface="Arial"/>
-              <a:buNone/>
-            </a:pPr>
-            <a:endParaRPr sz="3200" b="0" i="0" u="none" strike="noStrike" cap="none" dirty="0">
-              <a:solidFill>
-                <a:schemeClr val="dk1"/>
-              </a:solidFill>
-              <a:latin typeface="Calibri"/>
-              <a:ea typeface="Calibri"/>
-              <a:cs typeface="Calibri"/>
-              <a:sym typeface="Calibri"/>
-            </a:endParaRPr>
-          </a:p>
-        </p:txBody>
-      </p:sp>
-    </p:spTree>
-    <p:extLst>
-      <p:ext uri="{BB962C8B-B14F-4D97-AF65-F5344CB8AC3E}">
         <p14:creationId xmlns:p14="http://schemas.microsoft.com/office/powerpoint/2010/main" val="3082208827"/>
       </p:ext>
     </p:extLst>
@@ -13027,13 +12570,6 @@
   <p:clrMapOvr>
     <a:masterClrMapping/>
   </p:clrMapOvr>
-  <p:timing>
-    <p:tnLst>
-      <p:par>
-        <p:cTn id="1" dur="indefinite" restart="never" nodeType="tmRoot"/>
-      </p:par>
-    </p:tnLst>
-  </p:timing>
 </p:sld>
 </file>
 
